--- a/004_Node/lesson_29/Presentation/Working_with_requests.pptx
+++ b/004_Node/lesson_29/Presentation/Working_with_requests.pptx
@@ -618,7 +618,7 @@
     </p:spTree>
     <p:extLst>
       <p:ext uri="{BB962C8B-B14F-4D97-AF65-F5344CB8AC3E}">
-        <p14:creationId xmlns:p14="http://schemas.microsoft.com/office/powerpoint/2010/main" xmlns="" val="3537187278"/>
+        <p14:creationId xmlns="" xmlns:p14="http://schemas.microsoft.com/office/powerpoint/2010/main" val="3537187278"/>
       </p:ext>
     </p:extLst>
   </p:cSld>
@@ -664,7 +664,7 @@
           <a:blip r:embed="rId2" cstate="print">
             <a:extLst>
               <a:ext uri="{28A0092B-C50C-407E-A947-70E740481C1C}">
-                <a14:useLocalDpi xmlns:a14="http://schemas.microsoft.com/office/drawing/2010/main" xmlns="" val="0"/>
+                <a14:useLocalDpi xmlns="" xmlns:a14="http://schemas.microsoft.com/office/drawing/2010/main" val="0"/>
               </a:ext>
             </a:extLst>
           </a:blip>
@@ -688,14 +688,14 @@
           <a:effectLst/>
           <a:extLst>
             <a:ext uri="{909E8E84-426E-40DD-AFC4-6F175D3DCCD1}">
-              <a14:hiddenFill xmlns:a14="http://schemas.microsoft.com/office/drawing/2010/main" xmlns="">
+              <a14:hiddenFill xmlns="" xmlns:a14="http://schemas.microsoft.com/office/drawing/2010/main">
                 <a:solidFill>
                   <a:schemeClr val="accent1"/>
                 </a:solidFill>
               </a14:hiddenFill>
             </a:ext>
             <a:ext uri="{91240B29-F687-4F45-9708-019B960494DF}">
-              <a14:hiddenLine xmlns:a14="http://schemas.microsoft.com/office/drawing/2010/main" xmlns="" w="9525">
+              <a14:hiddenLine xmlns="" xmlns:a14="http://schemas.microsoft.com/office/drawing/2010/main" w="9525">
                 <a:solidFill>
                   <a:schemeClr val="tx1"/>
                 </a:solidFill>
@@ -705,7 +705,7 @@
               </a14:hiddenLine>
             </a:ext>
             <a:ext uri="{AF507438-7753-43E0-B8FC-AC1667EBCBE1}">
-              <a14:hiddenEffects xmlns:a14="http://schemas.microsoft.com/office/drawing/2010/main" xmlns="">
+              <a14:hiddenEffects xmlns="" xmlns:a14="http://schemas.microsoft.com/office/drawing/2010/main">
                 <a:effectLst>
                   <a:outerShdw dist="35921" dir="2700000" algn="ctr" rotWithShape="0">
                     <a:schemeClr val="bg2"/>
@@ -846,7 +846,7 @@
     </p:spTree>
     <p:extLst>
       <p:ext uri="{BB962C8B-B14F-4D97-AF65-F5344CB8AC3E}">
-        <p14:creationId xmlns:p14="http://schemas.microsoft.com/office/powerpoint/2010/main" xmlns="" val="2097366919"/>
+        <p14:creationId xmlns="" xmlns:p14="http://schemas.microsoft.com/office/powerpoint/2010/main" val="2097366919"/>
       </p:ext>
     </p:extLst>
   </p:cSld>
@@ -1370,7 +1370,7 @@
     </p:spTree>
     <p:extLst>
       <p:ext uri="{BB962C8B-B14F-4D97-AF65-F5344CB8AC3E}">
-        <p14:creationId xmlns:p14="http://schemas.microsoft.com/office/powerpoint/2010/main" xmlns="" val="3537187278"/>
+        <p14:creationId xmlns="" xmlns:p14="http://schemas.microsoft.com/office/powerpoint/2010/main" val="3537187278"/>
       </p:ext>
     </p:extLst>
   </p:cSld>
@@ -1416,7 +1416,7 @@
           <a:blip r:embed="rId2" cstate="print">
             <a:extLst>
               <a:ext uri="{28A0092B-C50C-407E-A947-70E740481C1C}">
-                <a14:useLocalDpi xmlns:a14="http://schemas.microsoft.com/office/drawing/2010/main" xmlns="" val="0"/>
+                <a14:useLocalDpi xmlns="" xmlns:a14="http://schemas.microsoft.com/office/drawing/2010/main" val="0"/>
               </a:ext>
             </a:extLst>
           </a:blip>
@@ -1440,14 +1440,14 @@
           <a:effectLst/>
           <a:extLst>
             <a:ext uri="{909E8E84-426E-40DD-AFC4-6F175D3DCCD1}">
-              <a14:hiddenFill xmlns:a14="http://schemas.microsoft.com/office/drawing/2010/main" xmlns="">
+              <a14:hiddenFill xmlns="" xmlns:a14="http://schemas.microsoft.com/office/drawing/2010/main">
                 <a:solidFill>
                   <a:schemeClr val="accent1"/>
                 </a:solidFill>
               </a14:hiddenFill>
             </a:ext>
             <a:ext uri="{91240B29-F687-4F45-9708-019B960494DF}">
-              <a14:hiddenLine xmlns:a14="http://schemas.microsoft.com/office/drawing/2010/main" xmlns="" w="9525">
+              <a14:hiddenLine xmlns="" xmlns:a14="http://schemas.microsoft.com/office/drawing/2010/main" w="9525">
                 <a:solidFill>
                   <a:schemeClr val="tx1"/>
                 </a:solidFill>
@@ -1457,7 +1457,7 @@
               </a14:hiddenLine>
             </a:ext>
             <a:ext uri="{AF507438-7753-43E0-B8FC-AC1667EBCBE1}">
-              <a14:hiddenEffects xmlns:a14="http://schemas.microsoft.com/office/drawing/2010/main" xmlns="">
+              <a14:hiddenEffects xmlns="" xmlns:a14="http://schemas.microsoft.com/office/drawing/2010/main">
                 <a:effectLst>
                   <a:outerShdw dist="35921" dir="2700000" algn="ctr" rotWithShape="0">
                     <a:schemeClr val="bg2"/>
@@ -1598,7 +1598,7 @@
     </p:spTree>
     <p:extLst>
       <p:ext uri="{BB962C8B-B14F-4D97-AF65-F5344CB8AC3E}">
-        <p14:creationId xmlns:p14="http://schemas.microsoft.com/office/powerpoint/2010/main" xmlns="" val="2097366919"/>
+        <p14:creationId xmlns="" xmlns:p14="http://schemas.microsoft.com/office/powerpoint/2010/main" val="2097366919"/>
       </p:ext>
     </p:extLst>
   </p:cSld>
@@ -1673,7 +1673,7 @@
     </p:spTree>
     <p:extLst>
       <p:ext uri="{BB962C8B-B14F-4D97-AF65-F5344CB8AC3E}">
-        <p14:creationId xmlns:p14="http://schemas.microsoft.com/office/powerpoint/2010/main" xmlns="" val="779007194"/>
+        <p14:creationId xmlns="" xmlns:p14="http://schemas.microsoft.com/office/powerpoint/2010/main" val="779007194"/>
       </p:ext>
     </p:extLst>
   </p:cSld>
@@ -2055,252 +2055,6 @@
       </p:sp>
       <p:sp>
         <p:nvSpPr>
-          <p:cNvPr id="6" name="Subtitle 2"/>
-          <p:cNvSpPr txBox="1">
-            <a:spLocks/>
-          </p:cNvSpPr>
-          <p:nvPr/>
-        </p:nvSpPr>
-        <p:spPr>
-          <a:xfrm>
-            <a:off x="806449" y="1281006"/>
-            <a:ext cx="6322695" cy="507831"/>
-          </a:xfrm>
-          <a:prstGeom prst="rect">
-            <a:avLst/>
-          </a:prstGeom>
-        </p:spPr>
-        <p:txBody>
-          <a:bodyPr wrap="square">
-            <a:spAutoFit/>
-          </a:bodyPr>
-          <a:lstStyle>
-            <a:lvl1pPr marL="0" indent="0" algn="l" defTabSz="914400" rtl="0" eaLnBrk="1" latinLnBrk="0" hangingPunct="1">
-              <a:spcBef>
-                <a:spcPct val="20000"/>
-              </a:spcBef>
-              <a:buFont typeface="Arial" pitchFamily="34" charset="0"/>
-              <a:buNone/>
-              <a:defRPr sz="3200" kern="1200">
-                <a:solidFill>
-                  <a:schemeClr val="tx1">
-                    <a:tint val="75000"/>
-                  </a:schemeClr>
-                </a:solidFill>
-                <a:latin typeface="+mj-lt"/>
-                <a:ea typeface="+mn-ea"/>
-                <a:cs typeface="+mn-cs"/>
-              </a:defRPr>
-            </a:lvl1pPr>
-            <a:lvl2pPr marL="457200" indent="0" algn="ctr" defTabSz="914400" rtl="0" eaLnBrk="1" latinLnBrk="0" hangingPunct="1">
-              <a:spcBef>
-                <a:spcPct val="20000"/>
-              </a:spcBef>
-              <a:buFont typeface="Arial" pitchFamily="34" charset="0"/>
-              <a:buNone/>
-              <a:defRPr sz="2800" kern="1200">
-                <a:solidFill>
-                  <a:schemeClr val="tx1">
-                    <a:tint val="75000"/>
-                  </a:schemeClr>
-                </a:solidFill>
-                <a:latin typeface="+mn-lt"/>
-                <a:ea typeface="+mn-ea"/>
-                <a:cs typeface="+mn-cs"/>
-              </a:defRPr>
-            </a:lvl2pPr>
-            <a:lvl3pPr marL="914400" indent="0" algn="ctr" defTabSz="914400" rtl="0" eaLnBrk="1" latinLnBrk="0" hangingPunct="1">
-              <a:spcBef>
-                <a:spcPct val="20000"/>
-              </a:spcBef>
-              <a:buFont typeface="Arial" pitchFamily="34" charset="0"/>
-              <a:buNone/>
-              <a:defRPr sz="2400" kern="1200">
-                <a:solidFill>
-                  <a:schemeClr val="tx1">
-                    <a:tint val="75000"/>
-                  </a:schemeClr>
-                </a:solidFill>
-                <a:latin typeface="+mn-lt"/>
-                <a:ea typeface="+mn-ea"/>
-                <a:cs typeface="+mn-cs"/>
-              </a:defRPr>
-            </a:lvl3pPr>
-            <a:lvl4pPr marL="1371600" indent="0" algn="ctr" defTabSz="914400" rtl="0" eaLnBrk="1" latinLnBrk="0" hangingPunct="1">
-              <a:spcBef>
-                <a:spcPct val="20000"/>
-              </a:spcBef>
-              <a:buFont typeface="Arial" pitchFamily="34" charset="0"/>
-              <a:buNone/>
-              <a:defRPr sz="2000" kern="1200">
-                <a:solidFill>
-                  <a:schemeClr val="tx1">
-                    <a:tint val="75000"/>
-                  </a:schemeClr>
-                </a:solidFill>
-                <a:latin typeface="+mn-lt"/>
-                <a:ea typeface="+mn-ea"/>
-                <a:cs typeface="+mn-cs"/>
-              </a:defRPr>
-            </a:lvl4pPr>
-            <a:lvl5pPr marL="1828800" indent="0" algn="ctr" defTabSz="914400" rtl="0" eaLnBrk="1" latinLnBrk="0" hangingPunct="1">
-              <a:spcBef>
-                <a:spcPct val="20000"/>
-              </a:spcBef>
-              <a:buFont typeface="Arial" pitchFamily="34" charset="0"/>
-              <a:buNone/>
-              <a:defRPr sz="2000" kern="1200">
-                <a:solidFill>
-                  <a:schemeClr val="tx1">
-                    <a:tint val="75000"/>
-                  </a:schemeClr>
-                </a:solidFill>
-                <a:latin typeface="+mn-lt"/>
-                <a:ea typeface="+mn-ea"/>
-                <a:cs typeface="+mn-cs"/>
-              </a:defRPr>
-            </a:lvl5pPr>
-            <a:lvl6pPr marL="2286000" indent="0" algn="ctr" defTabSz="914400" rtl="0" eaLnBrk="1" latinLnBrk="0" hangingPunct="1">
-              <a:spcBef>
-                <a:spcPct val="20000"/>
-              </a:spcBef>
-              <a:buFont typeface="Arial" pitchFamily="34" charset="0"/>
-              <a:buNone/>
-              <a:defRPr sz="2000" kern="1200">
-                <a:solidFill>
-                  <a:schemeClr val="tx1">
-                    <a:tint val="75000"/>
-                  </a:schemeClr>
-                </a:solidFill>
-                <a:latin typeface="+mn-lt"/>
-                <a:ea typeface="+mn-ea"/>
-                <a:cs typeface="+mn-cs"/>
-              </a:defRPr>
-            </a:lvl6pPr>
-            <a:lvl7pPr marL="2743200" indent="0" algn="ctr" defTabSz="914400" rtl="0" eaLnBrk="1" latinLnBrk="0" hangingPunct="1">
-              <a:spcBef>
-                <a:spcPct val="20000"/>
-              </a:spcBef>
-              <a:buFont typeface="Arial" pitchFamily="34" charset="0"/>
-              <a:buNone/>
-              <a:defRPr sz="2000" kern="1200">
-                <a:solidFill>
-                  <a:schemeClr val="tx1">
-                    <a:tint val="75000"/>
-                  </a:schemeClr>
-                </a:solidFill>
-                <a:latin typeface="+mn-lt"/>
-                <a:ea typeface="+mn-ea"/>
-                <a:cs typeface="+mn-cs"/>
-              </a:defRPr>
-            </a:lvl7pPr>
-            <a:lvl8pPr marL="3200400" indent="0" algn="ctr" defTabSz="914400" rtl="0" eaLnBrk="1" latinLnBrk="0" hangingPunct="1">
-              <a:spcBef>
-                <a:spcPct val="20000"/>
-              </a:spcBef>
-              <a:buFont typeface="Arial" pitchFamily="34" charset="0"/>
-              <a:buNone/>
-              <a:defRPr sz="2000" kern="1200">
-                <a:solidFill>
-                  <a:schemeClr val="tx1">
-                    <a:tint val="75000"/>
-                  </a:schemeClr>
-                </a:solidFill>
-                <a:latin typeface="+mn-lt"/>
-                <a:ea typeface="+mn-ea"/>
-                <a:cs typeface="+mn-cs"/>
-              </a:defRPr>
-            </a:lvl8pPr>
-            <a:lvl9pPr marL="3657600" indent="0" algn="ctr" defTabSz="914400" rtl="0" eaLnBrk="1" latinLnBrk="0" hangingPunct="1">
-              <a:spcBef>
-                <a:spcPct val="20000"/>
-              </a:spcBef>
-              <a:buFont typeface="Arial" pitchFamily="34" charset="0"/>
-              <a:buNone/>
-              <a:defRPr sz="2000" kern="1200">
-                <a:solidFill>
-                  <a:schemeClr val="tx1">
-                    <a:tint val="75000"/>
-                  </a:schemeClr>
-                </a:solidFill>
-                <a:latin typeface="+mn-lt"/>
-                <a:ea typeface="+mn-ea"/>
-                <a:cs typeface="+mn-cs"/>
-              </a:defRPr>
-            </a:lvl9pPr>
-          </a:lstStyle>
-          <a:p>
-            <a:r>
-              <a:rPr lang="en-US" sz="2700" dirty="0" smtClean="0">
-                <a:solidFill>
-                  <a:schemeClr val="tx1">
-                    <a:lumMod val="90000"/>
-                    <a:lumOff val="10000"/>
-                  </a:schemeClr>
-                </a:solidFill>
-                <a:latin typeface="Calibri" pitchFamily="34" charset="0"/>
-                <a:ea typeface="Roboto Light" panose="02000000000000000000" pitchFamily="2" charset="0"/>
-                <a:cs typeface="Roboto Light" panose="02000000000000000000" pitchFamily="2" charset="0"/>
-              </a:rPr>
-              <a:t>The JavaScript Programming Language</a:t>
-            </a:r>
-            <a:endParaRPr lang="en-US" sz="2700" dirty="0">
-              <a:solidFill>
-                <a:schemeClr val="tx1">
-                  <a:lumMod val="90000"/>
-                  <a:lumOff val="10000"/>
-                </a:schemeClr>
-              </a:solidFill>
-              <a:latin typeface="Calibri" pitchFamily="34" charset="0"/>
-              <a:ea typeface="Roboto Light" panose="02000000000000000000" pitchFamily="2" charset="0"/>
-              <a:cs typeface="Roboto Light" panose="02000000000000000000" pitchFamily="2" charset="0"/>
-            </a:endParaRPr>
-          </a:p>
-        </p:txBody>
-      </p:sp>
-      <p:pic>
-        <p:nvPicPr>
-          <p:cNvPr id="1028" name="Picture 4" descr="C:\Users\Darick\Desktop\Mmww2.png"/>
-          <p:cNvPicPr>
-            <a:picLocks noChangeAspect="1" noChangeArrowheads="1"/>
-          </p:cNvPicPr>
-          <p:nvPr/>
-        </p:nvPicPr>
-        <p:blipFill>
-          <a:blip r:embed="rId2" cstate="print">
-            <a:extLst>
-              <a:ext uri="{28A0092B-C50C-407E-A947-70E740481C1C}">
-                <a14:useLocalDpi xmlns:a14="http://schemas.microsoft.com/office/drawing/2010/main" xmlns="" val="0"/>
-              </a:ext>
-            </a:extLst>
-          </a:blip>
-          <a:srcRect/>
-          <a:stretch>
-            <a:fillRect/>
-          </a:stretch>
-        </p:blipFill>
-        <p:spPr bwMode="auto">
-          <a:xfrm>
-            <a:off x="1" y="698501"/>
-            <a:ext cx="809625" cy="1079500"/>
-          </a:xfrm>
-          <a:prstGeom prst="rect">
-            <a:avLst/>
-          </a:prstGeom>
-          <a:noFill/>
-          <a:extLst>
-            <a:ext uri="{909E8E84-426E-40DD-AFC4-6F175D3DCCD1}">
-              <a14:hiddenFill xmlns:a14="http://schemas.microsoft.com/office/drawing/2010/main" xmlns="">
-                <a:solidFill>
-                  <a:srgbClr val="FFFFFF"/>
-                </a:solidFill>
-              </a14:hiddenFill>
-            </a:ext>
-          </a:extLst>
-        </p:spPr>
-      </p:pic>
-      <p:sp>
-        <p:nvSpPr>
           <p:cNvPr id="5" name="TextBox 4"/>
           <p:cNvSpPr txBox="1"/>
           <p:nvPr/>
@@ -2346,16 +2100,7 @@
                 </a:solidFill>
                 <a:latin typeface="Calibri" pitchFamily="34" charset="0"/>
               </a:rPr>
-              <a:t> </a:t>
-            </a:r>
-            <a:r>
-              <a:rPr lang="ru-RU" sz="4400" dirty="0" smtClean="0">
-                <a:solidFill>
-                  <a:srgbClr val="7564BC"/>
-                </a:solidFill>
-                <a:latin typeface="Calibri" pitchFamily="34" charset="0"/>
-              </a:rPr>
-              <a:t>запросами </a:t>
+              <a:t> запросами </a:t>
             </a:r>
             <a:endParaRPr lang="en-US" dirty="0">
               <a:latin typeface="Calibri" pitchFamily="34" charset="0"/>
@@ -2363,10 +2108,179 @@
           </a:p>
         </p:txBody>
       </p:sp>
+      <p:sp>
+        <p:nvSpPr>
+          <p:cNvPr id="8" name="Subtitle 2"/>
+          <p:cNvSpPr txBox="1">
+            <a:spLocks/>
+          </p:cNvSpPr>
+          <p:nvPr/>
+        </p:nvSpPr>
+        <p:spPr>
+          <a:xfrm>
+            <a:off x="1979712" y="2060848"/>
+            <a:ext cx="6322695" cy="584775"/>
+          </a:xfrm>
+          <a:prstGeom prst="rect">
+            <a:avLst/>
+          </a:prstGeom>
+        </p:spPr>
+        <p:txBody>
+          <a:bodyPr wrap="square">
+            <a:spAutoFit/>
+          </a:bodyPr>
+          <a:lstStyle>
+            <a:defPPr>
+              <a:defRPr lang="uk-UA"/>
+            </a:defPPr>
+            <a:lvl1pPr marL="0" algn="l" defTabSz="914400" rtl="0" eaLnBrk="1" latinLnBrk="0" hangingPunct="1">
+              <a:defRPr sz="1800" kern="1200">
+                <a:solidFill>
+                  <a:schemeClr val="tx1"/>
+                </a:solidFill>
+                <a:latin typeface="+mn-lt"/>
+                <a:ea typeface="+mn-ea"/>
+                <a:cs typeface="+mn-cs"/>
+              </a:defRPr>
+            </a:lvl1pPr>
+            <a:lvl2pPr marL="457200" algn="l" defTabSz="914400" rtl="0" eaLnBrk="1" latinLnBrk="0" hangingPunct="1">
+              <a:defRPr sz="1800" kern="1200">
+                <a:solidFill>
+                  <a:schemeClr val="tx1"/>
+                </a:solidFill>
+                <a:latin typeface="+mn-lt"/>
+                <a:ea typeface="+mn-ea"/>
+                <a:cs typeface="+mn-cs"/>
+              </a:defRPr>
+            </a:lvl2pPr>
+            <a:lvl3pPr marL="914400" algn="l" defTabSz="914400" rtl="0" eaLnBrk="1" latinLnBrk="0" hangingPunct="1">
+              <a:defRPr sz="1800" kern="1200">
+                <a:solidFill>
+                  <a:schemeClr val="tx1"/>
+                </a:solidFill>
+                <a:latin typeface="+mn-lt"/>
+                <a:ea typeface="+mn-ea"/>
+                <a:cs typeface="+mn-cs"/>
+              </a:defRPr>
+            </a:lvl3pPr>
+            <a:lvl4pPr marL="1371600" algn="l" defTabSz="914400" rtl="0" eaLnBrk="1" latinLnBrk="0" hangingPunct="1">
+              <a:defRPr sz="1800" kern="1200">
+                <a:solidFill>
+                  <a:schemeClr val="tx1"/>
+                </a:solidFill>
+                <a:latin typeface="+mn-lt"/>
+                <a:ea typeface="+mn-ea"/>
+                <a:cs typeface="+mn-cs"/>
+              </a:defRPr>
+            </a:lvl4pPr>
+            <a:lvl5pPr marL="1828800" algn="l" defTabSz="914400" rtl="0" eaLnBrk="1" latinLnBrk="0" hangingPunct="1">
+              <a:defRPr sz="1800" kern="1200">
+                <a:solidFill>
+                  <a:schemeClr val="tx1"/>
+                </a:solidFill>
+                <a:latin typeface="+mn-lt"/>
+                <a:ea typeface="+mn-ea"/>
+                <a:cs typeface="+mn-cs"/>
+              </a:defRPr>
+            </a:lvl5pPr>
+            <a:lvl6pPr marL="2286000" algn="l" defTabSz="914400" rtl="0" eaLnBrk="1" latinLnBrk="0" hangingPunct="1">
+              <a:defRPr sz="1800" kern="1200">
+                <a:solidFill>
+                  <a:schemeClr val="tx1"/>
+                </a:solidFill>
+                <a:latin typeface="+mn-lt"/>
+                <a:ea typeface="+mn-ea"/>
+                <a:cs typeface="+mn-cs"/>
+              </a:defRPr>
+            </a:lvl6pPr>
+            <a:lvl7pPr marL="2743200" algn="l" defTabSz="914400" rtl="0" eaLnBrk="1" latinLnBrk="0" hangingPunct="1">
+              <a:defRPr sz="1800" kern="1200">
+                <a:solidFill>
+                  <a:schemeClr val="tx1"/>
+                </a:solidFill>
+                <a:latin typeface="+mn-lt"/>
+                <a:ea typeface="+mn-ea"/>
+                <a:cs typeface="+mn-cs"/>
+              </a:defRPr>
+            </a:lvl7pPr>
+            <a:lvl8pPr marL="3200400" algn="l" defTabSz="914400" rtl="0" eaLnBrk="1" latinLnBrk="0" hangingPunct="1">
+              <a:defRPr sz="1800" kern="1200">
+                <a:solidFill>
+                  <a:schemeClr val="tx1"/>
+                </a:solidFill>
+                <a:latin typeface="+mn-lt"/>
+                <a:ea typeface="+mn-ea"/>
+                <a:cs typeface="+mn-cs"/>
+              </a:defRPr>
+            </a:lvl8pPr>
+            <a:lvl9pPr marL="3657600" algn="l" defTabSz="914400" rtl="0" eaLnBrk="1" latinLnBrk="0" hangingPunct="1">
+              <a:defRPr sz="1800" kern="1200">
+                <a:solidFill>
+                  <a:schemeClr val="tx1"/>
+                </a:solidFill>
+                <a:latin typeface="+mn-lt"/>
+                <a:ea typeface="+mn-ea"/>
+                <a:cs typeface="+mn-cs"/>
+              </a:defRPr>
+            </a:lvl9pPr>
+          </a:lstStyle>
+          <a:p>
+            <a:r>
+              <a:rPr lang="en-US" sz="3200" b="1" dirty="0" smtClean="0">
+                <a:solidFill>
+                  <a:schemeClr val="tx1">
+                    <a:lumMod val="90000"/>
+                    <a:lumOff val="10000"/>
+                  </a:schemeClr>
+                </a:solidFill>
+                <a:latin typeface="Calibri" pitchFamily="34" charset="0"/>
+                <a:ea typeface="Roboto Light" panose="02000000000000000000" pitchFamily="2" charset="0"/>
+                <a:cs typeface="Roboto Light" panose="02000000000000000000" pitchFamily="2" charset="0"/>
+              </a:rPr>
+              <a:t>Node JS</a:t>
+            </a:r>
+            <a:endParaRPr lang="en-US" sz="3200" b="1" dirty="0">
+              <a:solidFill>
+                <a:schemeClr val="tx1">
+                  <a:lumMod val="90000"/>
+                  <a:lumOff val="10000"/>
+                </a:schemeClr>
+              </a:solidFill>
+              <a:latin typeface="Calibri" pitchFamily="34" charset="0"/>
+              <a:ea typeface="Roboto Light" panose="02000000000000000000" pitchFamily="2" charset="0"/>
+              <a:cs typeface="Roboto Light" panose="02000000000000000000" pitchFamily="2" charset="0"/>
+            </a:endParaRPr>
+          </a:p>
+        </p:txBody>
+      </p:sp>
+      <p:pic>
+        <p:nvPicPr>
+          <p:cNvPr id="9" name="Рисунок 8" descr="nodejs-logo.png"/>
+          <p:cNvPicPr>
+            <a:picLocks noChangeAspect="1"/>
+          </p:cNvPicPr>
+          <p:nvPr/>
+        </p:nvPicPr>
+        <p:blipFill>
+          <a:blip r:embed="rId2" cstate="print"/>
+          <a:stretch>
+            <a:fillRect/>
+          </a:stretch>
+        </p:blipFill>
+        <p:spPr>
+          <a:xfrm>
+            <a:off x="827584" y="1772816"/>
+            <a:ext cx="1152128" cy="1152128"/>
+          </a:xfrm>
+          <a:prstGeom prst="rect">
+            <a:avLst/>
+          </a:prstGeom>
+        </p:spPr>
+      </p:pic>
     </p:spTree>
     <p:extLst>
       <p:ext uri="{BB962C8B-B14F-4D97-AF65-F5344CB8AC3E}">
-        <p14:creationId xmlns:p14="http://schemas.microsoft.com/office/powerpoint/2010/main" xmlns="" val="3436223543"/>
+        <p14:creationId xmlns="" xmlns:p14="http://schemas.microsoft.com/office/powerpoint/2010/main" val="3436223543"/>
       </p:ext>
     </p:extLst>
   </p:cSld>
@@ -2469,19 +2383,7 @@
               <a:rPr lang="ru-RU" dirty="0" smtClean="0">
                 <a:latin typeface="Calibri" pitchFamily="34" charset="0"/>
               </a:rPr>
-              <a:t>Для </a:t>
-            </a:r>
-            <a:r>
-              <a:rPr lang="ru-RU" dirty="0" smtClean="0">
-                <a:latin typeface="Calibri" pitchFamily="34" charset="0"/>
-              </a:rPr>
-              <a:t>использования клиента и сервера HTTP необходимо подключить соответствующий модуль с </a:t>
-            </a:r>
-            <a:r>
-              <a:rPr lang="ru-RU" dirty="0" smtClean="0">
-                <a:latin typeface="Calibri" pitchFamily="34" charset="0"/>
-              </a:rPr>
-              <a:t>помощью </a:t>
+              <a:t>Для использования клиента и сервера HTTP необходимо подключить соответствующий модуль с помощью </a:t>
             </a:r>
             <a:r>
               <a:rPr lang="ru-RU" b="1" dirty="0" err="1" smtClean="0">
@@ -2643,13 +2545,7 @@
               <a:rPr lang="en-US" b="1" dirty="0" smtClean="0">
                 <a:latin typeface="Calibri" pitchFamily="34" charset="0"/>
               </a:rPr>
-              <a:t>(port, [hostname], [callback</a:t>
-            </a:r>
-            <a:r>
-              <a:rPr lang="en-US" b="1" dirty="0" smtClean="0">
-                <a:latin typeface="Calibri" pitchFamily="34" charset="0"/>
-              </a:rPr>
-              <a:t>])</a:t>
+              <a:t>(port, [hostname], [callback])</a:t>
             </a:r>
             <a:r>
               <a:rPr lang="ru-RU" b="1" dirty="0" smtClean="0">
@@ -2661,19 +2557,7 @@
               <a:rPr lang="ru-RU" dirty="0" smtClean="0">
                 <a:latin typeface="Calibri" pitchFamily="34" charset="0"/>
               </a:rPr>
-              <a:t>начинает </a:t>
-            </a:r>
-            <a:r>
-              <a:rPr lang="ru-RU" dirty="0" smtClean="0">
-                <a:latin typeface="Calibri" pitchFamily="34" charset="0"/>
-              </a:rPr>
-              <a:t>приём соединений на указанном порту и имени хоста. Если имя хоста не указано, сервер будет принимать соединения на любой IPv4-адрес </a:t>
-            </a:r>
-            <a:r>
-              <a:rPr lang="ru-RU" dirty="0" smtClean="0">
-                <a:latin typeface="Calibri" pitchFamily="34" charset="0"/>
-              </a:rPr>
-              <a:t>машины. </a:t>
+              <a:t>начинает приём соединений на указанном порту и имени хоста. Если имя хоста не указано, сервер будет принимать соединения на любой IPv4-адрес машины. </a:t>
             </a:r>
             <a:endParaRPr lang="en-US" b="1" dirty="0" smtClean="0">
               <a:latin typeface="Calibri" pitchFamily="34" charset="0"/>
@@ -3374,7 +3258,7 @@
     </p:spTree>
     <p:extLst>
       <p:ext uri="{BB962C8B-B14F-4D97-AF65-F5344CB8AC3E}">
-        <p14:creationId xmlns:p14="http://schemas.microsoft.com/office/powerpoint/2010/main" xmlns="" val="4126915530"/>
+        <p14:creationId xmlns="" xmlns:p14="http://schemas.microsoft.com/office/powerpoint/2010/main" val="4126915530"/>
       </p:ext>
     </p:extLst>
   </p:cSld>
@@ -3777,41 +3661,20 @@
               <a:rPr lang="ru-RU" dirty="0" smtClean="0">
                 <a:latin typeface="Calibri" pitchFamily="34" charset="0"/>
               </a:rPr>
-              <a:t>генерируется </a:t>
+              <a:t>генерируется каждый раз при получении запроса. В течении одного соединения может происходить несколько запросов (в случае </a:t>
+            </a:r>
+            <a:r>
+              <a:rPr lang="ru-RU" dirty="0" err="1" smtClean="0">
+                <a:latin typeface="Calibri" pitchFamily="34" charset="0"/>
+              </a:rPr>
+              <a:t>keep-alive</a:t>
             </a:r>
             <a:r>
               <a:rPr lang="ru-RU" dirty="0" smtClean="0">
                 <a:latin typeface="Calibri" pitchFamily="34" charset="0"/>
               </a:rPr>
-              <a:t>каждый раз при получении запроса. </a:t>
-            </a:r>
-            <a:r>
-              <a:rPr lang="ru-RU" dirty="0" smtClean="0">
-                <a:latin typeface="Calibri" pitchFamily="34" charset="0"/>
-              </a:rPr>
-              <a:t>В течении </a:t>
-            </a:r>
-            <a:r>
-              <a:rPr lang="ru-RU" dirty="0" smtClean="0">
-                <a:latin typeface="Calibri" pitchFamily="34" charset="0"/>
-              </a:rPr>
-              <a:t>одного соединения может происходить несколько запросов (в случае </a:t>
-            </a:r>
-            <a:r>
-              <a:rPr lang="ru-RU" dirty="0" err="1" smtClean="0">
-                <a:latin typeface="Calibri" pitchFamily="34" charset="0"/>
-              </a:rPr>
-              <a:t>keep-alive</a:t>
-            </a:r>
-            <a:r>
-              <a:rPr lang="ru-RU" dirty="0" smtClean="0">
-                <a:latin typeface="Calibri" pitchFamily="34" charset="0"/>
-              </a:rPr>
               <a:t> соединения). </a:t>
             </a:r>
-            <a:endParaRPr lang="ru-RU" dirty="0" smtClean="0">
-              <a:latin typeface="Calibri" pitchFamily="34" charset="0"/>
-            </a:endParaRPr>
           </a:p>
           <a:p>
             <a:pPr>
@@ -3831,13 +3694,7 @@
               <a:rPr lang="ru-RU" dirty="0" smtClean="0">
                 <a:latin typeface="Calibri" pitchFamily="34" charset="0"/>
               </a:rPr>
-              <a:t> Объект</a:t>
-            </a:r>
-            <a:r>
-              <a:rPr lang="ru-RU" dirty="0" smtClean="0">
-                <a:latin typeface="Calibri" pitchFamily="34" charset="0"/>
-              </a:rPr>
-              <a:t> </a:t>
+              <a:t> Объект </a:t>
             </a:r>
             <a:r>
               <a:rPr lang="ru-RU" dirty="0" err="1" smtClean="0">
@@ -4011,13 +3868,7 @@
               <a:rPr lang="en-US" b="1" dirty="0" smtClean="0">
                 <a:latin typeface="Calibri" pitchFamily="34" charset="0"/>
               </a:rPr>
-              <a:t>(options, </a:t>
-            </a:r>
-            <a:r>
-              <a:rPr lang="en-US" b="1" dirty="0" smtClean="0">
-                <a:latin typeface="Calibri" pitchFamily="34" charset="0"/>
-              </a:rPr>
-              <a:t>callback) </a:t>
+              <a:t>(options, callback) </a:t>
             </a:r>
           </a:p>
           <a:p>
@@ -4204,13 +4055,7 @@
               <a:rPr lang="en-US" sz="1400" dirty="0" smtClean="0">
                 <a:latin typeface="Calibri" pitchFamily="34" charset="0"/>
               </a:rPr>
-              <a:t> </a:t>
-            </a:r>
-            <a:r>
-              <a:rPr lang="en-US" sz="1400" dirty="0" smtClean="0">
-                <a:latin typeface="Calibri" pitchFamily="34" charset="0"/>
-              </a:rPr>
-              <a:t>= </a:t>
+              <a:t> = </a:t>
             </a:r>
             <a:r>
               <a:rPr lang="en-US" sz="1400" dirty="0" err="1" smtClean="0">
@@ -4449,19 +4294,7 @@
               <a:rPr lang="ru-RU" dirty="0" smtClean="0">
                 <a:latin typeface="Calibri" pitchFamily="34" charset="0"/>
               </a:rPr>
-              <a:t>(), иначе всё что вы делали до </a:t>
-            </a:r>
-            <a:r>
-              <a:rPr lang="ru-RU" dirty="0" smtClean="0">
-                <a:latin typeface="Calibri" pitchFamily="34" charset="0"/>
-              </a:rPr>
-              <a:t>этого с объектом запроса не произойдёт и данные не будут </a:t>
-            </a:r>
-            <a:r>
-              <a:rPr lang="ru-RU" dirty="0" smtClean="0">
-                <a:latin typeface="Calibri" pitchFamily="34" charset="0"/>
-              </a:rPr>
-              <a:t>отправлены.</a:t>
+              <a:t>(), иначе всё что вы делали до этого с объектом запроса не произойдёт и данные не будут отправлены.</a:t>
             </a:r>
             <a:endParaRPr lang="en-US" dirty="0" smtClean="0">
               <a:latin typeface="Calibri" pitchFamily="34" charset="0"/>

--- a/004_Node/lesson_29/Presentation/Working_with_requests.pptx
+++ b/004_Node/lesson_29/Presentation/Working_with_requests.pptx
@@ -108,6 +108,22 @@
       </a:defRPr>
     </a:lvl9pPr>
   </p:defaultTextStyle>
+  <p:extLst>
+    <p:ext uri="{EFAFB233-063F-42B5-8137-9DF3F51BA10A}">
+      <p15:sldGuideLst xmlns:p15="http://schemas.microsoft.com/office/powerpoint/2012/main">
+        <p15:guide id="1" orient="horz" pos="2160">
+          <p15:clr>
+            <a:srgbClr val="A4A3A4"/>
+          </p15:clr>
+        </p15:guide>
+        <p15:guide id="2" pos="2880">
+          <p15:clr>
+            <a:srgbClr val="A4A3A4"/>
+          </p15:clr>
+        </p15:guide>
+      </p15:sldGuideLst>
+    </p:ext>
+  </p:extLst>
 </p:presentation>
 </file>
 
@@ -166,10 +182,9 @@
           </a:lstStyle>
           <a:p>
             <a:r>
-              <a:rPr lang="en-US" dirty="0" smtClean="0"/>
+              <a:rPr lang="en-US" dirty="0"/>
               <a:t>title style</a:t>
             </a:r>
-            <a:endParaRPr lang="en-US" dirty="0"/>
           </a:p>
         </p:txBody>
       </p:sp>
@@ -289,7 +304,7 @@
           </a:lstStyle>
           <a:p>
             <a:r>
-              <a:rPr lang="ru-RU" smtClean="0"/>
+              <a:rPr lang="ru-RU"/>
               <a:t>Образец подзаголовка</a:t>
             </a:r>
             <a:endParaRPr lang="en-US" dirty="0"/>
@@ -618,20 +633,13 @@
     </p:spTree>
     <p:extLst>
       <p:ext uri="{BB962C8B-B14F-4D97-AF65-F5344CB8AC3E}">
-        <p14:creationId xmlns="" xmlns:p14="http://schemas.microsoft.com/office/powerpoint/2010/main" val="3537187278"/>
+        <p14:creationId xmlns:p14="http://schemas.microsoft.com/office/powerpoint/2010/main" val="3537187278"/>
       </p:ext>
     </p:extLst>
   </p:cSld>
   <p:clrMapOvr>
     <a:overrideClrMapping bg1="lt1" tx1="dk1" bg2="lt2" tx2="dk2" accent1="accent1" accent2="accent2" accent3="accent3" accent4="accent4" accent5="accent5" accent6="accent6" hlink="hlink" folHlink="folHlink"/>
   </p:clrMapOvr>
-  <p:timing>
-    <p:tnLst>
-      <p:par>
-        <p:cTn id="1" dur="indefinite" restart="never" nodeType="tmRoot"/>
-      </p:par>
-    </p:tnLst>
-  </p:timing>
 </p:sldLayout>
 </file>
 
@@ -664,7 +672,7 @@
           <a:blip r:embed="rId2" cstate="print">
             <a:extLst>
               <a:ext uri="{28A0092B-C50C-407E-A947-70E740481C1C}">
-                <a14:useLocalDpi xmlns="" xmlns:a14="http://schemas.microsoft.com/office/drawing/2010/main" val="0"/>
+                <a14:useLocalDpi xmlns:a14="http://schemas.microsoft.com/office/drawing/2010/main" val="0"/>
               </a:ext>
             </a:extLst>
           </a:blip>
@@ -688,14 +696,14 @@
           <a:effectLst/>
           <a:extLst>
             <a:ext uri="{909E8E84-426E-40DD-AFC4-6F175D3DCCD1}">
-              <a14:hiddenFill xmlns="" xmlns:a14="http://schemas.microsoft.com/office/drawing/2010/main">
+              <a14:hiddenFill xmlns:a14="http://schemas.microsoft.com/office/drawing/2010/main">
                 <a:solidFill>
                   <a:schemeClr val="accent1"/>
                 </a:solidFill>
               </a14:hiddenFill>
             </a:ext>
             <a:ext uri="{91240B29-F687-4F45-9708-019B960494DF}">
-              <a14:hiddenLine xmlns="" xmlns:a14="http://schemas.microsoft.com/office/drawing/2010/main" w="9525">
+              <a14:hiddenLine xmlns:a14="http://schemas.microsoft.com/office/drawing/2010/main" w="9525">
                 <a:solidFill>
                   <a:schemeClr val="tx1"/>
                 </a:solidFill>
@@ -705,7 +713,7 @@
               </a14:hiddenLine>
             </a:ext>
             <a:ext uri="{AF507438-7753-43E0-B8FC-AC1667EBCBE1}">
-              <a14:hiddenEffects xmlns="" xmlns:a14="http://schemas.microsoft.com/office/drawing/2010/main">
+              <a14:hiddenEffects xmlns:a14="http://schemas.microsoft.com/office/drawing/2010/main">
                 <a:effectLst>
                   <a:outerShdw dist="35921" dir="2700000" algn="ctr" rotWithShape="0">
                     <a:schemeClr val="bg2"/>
@@ -800,7 +808,7 @@
           </a:lstStyle>
           <a:p>
             <a:r>
-              <a:rPr lang="ru-RU" smtClean="0"/>
+              <a:rPr lang="ru-RU"/>
               <a:t>Образец заголовка</a:t>
             </a:r>
             <a:endParaRPr lang="en-US" dirty="0"/>
@@ -837,7 +845,7 @@
           <a:p>
             <a:pPr lvl="4"/>
             <a:r>
-              <a:rPr lang="en-US" dirty="0" smtClean="0"/>
+              <a:rPr lang="en-US" dirty="0"/>
               <a:t>Subtitle</a:t>
             </a:r>
           </a:p>
@@ -846,20 +854,13 @@
     </p:spTree>
     <p:extLst>
       <p:ext uri="{BB962C8B-B14F-4D97-AF65-F5344CB8AC3E}">
-        <p14:creationId xmlns="" xmlns:p14="http://schemas.microsoft.com/office/powerpoint/2010/main" val="2097366919"/>
+        <p14:creationId xmlns:p14="http://schemas.microsoft.com/office/powerpoint/2010/main" val="2097366919"/>
       </p:ext>
     </p:extLst>
   </p:cSld>
   <p:clrMapOvr>
     <a:masterClrMapping/>
   </p:clrMapOvr>
-  <p:timing>
-    <p:tnLst>
-      <p:par>
-        <p:cTn id="1" dur="indefinite" restart="never" nodeType="tmRoot"/>
-      </p:par>
-    </p:tnLst>
-  </p:timing>
 </p:sldLayout>
 </file>
 
@@ -918,10 +919,9 @@
           </a:lstStyle>
           <a:p>
             <a:r>
-              <a:rPr lang="en-US" dirty="0" smtClean="0"/>
+              <a:rPr lang="en-US" dirty="0"/>
               <a:t>title style</a:t>
             </a:r>
-            <a:endParaRPr lang="en-US" dirty="0"/>
           </a:p>
         </p:txBody>
       </p:sp>
@@ -1041,10 +1041,9 @@
           </a:lstStyle>
           <a:p>
             <a:r>
-              <a:rPr lang="en-US" dirty="0" smtClean="0"/>
+              <a:rPr lang="en-US" dirty="0"/>
               <a:t>Click to edit Master subtitle style</a:t>
             </a:r>
-            <a:endParaRPr lang="en-US" dirty="0"/>
           </a:p>
         </p:txBody>
       </p:sp>
@@ -1370,20 +1369,13 @@
     </p:spTree>
     <p:extLst>
       <p:ext uri="{BB962C8B-B14F-4D97-AF65-F5344CB8AC3E}">
-        <p14:creationId xmlns="" xmlns:p14="http://schemas.microsoft.com/office/powerpoint/2010/main" val="3537187278"/>
+        <p14:creationId xmlns:p14="http://schemas.microsoft.com/office/powerpoint/2010/main" val="3537187278"/>
       </p:ext>
     </p:extLst>
   </p:cSld>
   <p:clrMapOvr>
     <a:overrideClrMapping bg1="lt1" tx1="dk1" bg2="lt2" tx2="dk2" accent1="accent1" accent2="accent2" accent3="accent3" accent4="accent4" accent5="accent5" accent6="accent6" hlink="hlink" folHlink="folHlink"/>
   </p:clrMapOvr>
-  <p:timing>
-    <p:tnLst>
-      <p:par>
-        <p:cTn id="1" dur="indefinite" restart="never" nodeType="tmRoot"/>
-      </p:par>
-    </p:tnLst>
-  </p:timing>
 </p:sldLayout>
 </file>
 
@@ -1416,7 +1408,7 @@
           <a:blip r:embed="rId2" cstate="print">
             <a:extLst>
               <a:ext uri="{28A0092B-C50C-407E-A947-70E740481C1C}">
-                <a14:useLocalDpi xmlns="" xmlns:a14="http://schemas.microsoft.com/office/drawing/2010/main" val="0"/>
+                <a14:useLocalDpi xmlns:a14="http://schemas.microsoft.com/office/drawing/2010/main" val="0"/>
               </a:ext>
             </a:extLst>
           </a:blip>
@@ -1440,14 +1432,14 @@
           <a:effectLst/>
           <a:extLst>
             <a:ext uri="{909E8E84-426E-40DD-AFC4-6F175D3DCCD1}">
-              <a14:hiddenFill xmlns="" xmlns:a14="http://schemas.microsoft.com/office/drawing/2010/main">
+              <a14:hiddenFill xmlns:a14="http://schemas.microsoft.com/office/drawing/2010/main">
                 <a:solidFill>
                   <a:schemeClr val="accent1"/>
                 </a:solidFill>
               </a14:hiddenFill>
             </a:ext>
             <a:ext uri="{91240B29-F687-4F45-9708-019B960494DF}">
-              <a14:hiddenLine xmlns="" xmlns:a14="http://schemas.microsoft.com/office/drawing/2010/main" w="9525">
+              <a14:hiddenLine xmlns:a14="http://schemas.microsoft.com/office/drawing/2010/main" w="9525">
                 <a:solidFill>
                   <a:schemeClr val="tx1"/>
                 </a:solidFill>
@@ -1457,7 +1449,7 @@
               </a14:hiddenLine>
             </a:ext>
             <a:ext uri="{AF507438-7753-43E0-B8FC-AC1667EBCBE1}">
-              <a14:hiddenEffects xmlns="" xmlns:a14="http://schemas.microsoft.com/office/drawing/2010/main">
+              <a14:hiddenEffects xmlns:a14="http://schemas.microsoft.com/office/drawing/2010/main">
                 <a:effectLst>
                   <a:outerShdw dist="35921" dir="2700000" algn="ctr" rotWithShape="0">
                     <a:schemeClr val="bg2"/>
@@ -1552,10 +1544,9 @@
           </a:lstStyle>
           <a:p>
             <a:r>
-              <a:rPr lang="en-US" dirty="0" smtClean="0"/>
+              <a:rPr lang="en-US" dirty="0"/>
               <a:t>Click to edit Master title style</a:t>
             </a:r>
-            <a:endParaRPr lang="en-US" dirty="0"/>
           </a:p>
         </p:txBody>
       </p:sp>
@@ -1589,7 +1580,7 @@
           <a:p>
             <a:pPr lvl="4"/>
             <a:r>
-              <a:rPr lang="en-US" dirty="0" smtClean="0"/>
+              <a:rPr lang="en-US" dirty="0"/>
               <a:t>Subtitle</a:t>
             </a:r>
           </a:p>
@@ -1598,20 +1589,13 @@
     </p:spTree>
     <p:extLst>
       <p:ext uri="{BB962C8B-B14F-4D97-AF65-F5344CB8AC3E}">
-        <p14:creationId xmlns="" xmlns:p14="http://schemas.microsoft.com/office/powerpoint/2010/main" val="2097366919"/>
+        <p14:creationId xmlns:p14="http://schemas.microsoft.com/office/powerpoint/2010/main" val="2097366919"/>
       </p:ext>
     </p:extLst>
   </p:cSld>
   <p:clrMapOvr>
     <a:masterClrMapping/>
   </p:clrMapOvr>
-  <p:timing>
-    <p:tnLst>
-      <p:par>
-        <p:cTn id="1" dur="indefinite" restart="never" nodeType="tmRoot"/>
-      </p:par>
-    </p:tnLst>
-  </p:timing>
 </p:sldLayout>
 </file>
 
@@ -1663,7 +1647,7 @@
           <a:lstStyle/>
           <a:p>
             <a:r>
-              <a:rPr lang="ru-RU" smtClean="0"/>
+              <a:rPr lang="ru-RU"/>
               <a:t>Образец заголовка</a:t>
             </a:r>
             <a:endParaRPr lang="en-US"/>
@@ -1673,7 +1657,7 @@
     </p:spTree>
     <p:extLst>
       <p:ext uri="{BB962C8B-B14F-4D97-AF65-F5344CB8AC3E}">
-        <p14:creationId xmlns="" xmlns:p14="http://schemas.microsoft.com/office/powerpoint/2010/main" val="779007194"/>
+        <p14:creationId xmlns:p14="http://schemas.microsoft.com/office/powerpoint/2010/main" val="779007194"/>
       </p:ext>
     </p:extLst>
   </p:cSld>
@@ -1684,13 +1668,6 @@
     <p:sldLayoutId id="2147483665" r:id="rId3"/>
     <p:sldLayoutId id="2147483666" r:id="rId4"/>
   </p:sldLayoutIdLst>
-  <p:timing>
-    <p:tnLst>
-      <p:par>
-        <p:cTn id="1" dur="indefinite" restart="never" nodeType="tmRoot"/>
-      </p:par>
-    </p:tnLst>
-  </p:timing>
   <p:txStyles>
     <p:titleStyle>
       <a:lvl1pPr algn="ctr" defTabSz="914400" rtl="0" eaLnBrk="1" latinLnBrk="0" hangingPunct="1">
@@ -2032,7 +2009,7 @@
           <a:lstStyle/>
           <a:p>
             <a:r>
-              <a:rPr lang="en-US" sz="2700" dirty="0" err="1" smtClean="0">
+              <a:rPr lang="en-US" sz="2700" dirty="0" err="1">
                 <a:solidFill>
                   <a:schemeClr val="bg1"/>
                 </a:solidFill>
@@ -2076,34 +2053,34 @@
           <a:lstStyle/>
           <a:p>
             <a:r>
-              <a:rPr lang="ru-RU" sz="4400" dirty="0" smtClean="0">
+              <a:rPr lang="ru-RU" sz="4400" dirty="0">
                 <a:solidFill>
                   <a:srgbClr val="7564BC"/>
                 </a:solidFill>
-                <a:latin typeface="Calibri" pitchFamily="34" charset="0"/>
+                <a:latin typeface="Calibri Light" panose="020F0302020204030204" pitchFamily="34" charset="0"/>
               </a:rPr>
               <a:t>Работа с </a:t>
             </a:r>
             <a:r>
-              <a:rPr lang="en-US" sz="4400" dirty="0" smtClean="0">
+              <a:rPr lang="en-US" sz="4400" dirty="0">
                 <a:solidFill>
                   <a:srgbClr val="7564BC"/>
                 </a:solidFill>
-                <a:latin typeface="Calibri" pitchFamily="34" charset="0"/>
+                <a:latin typeface="Calibri Light" panose="020F0302020204030204" pitchFamily="34" charset="0"/>
               </a:rPr>
               <a:t>http</a:t>
             </a:r>
             <a:r>
-              <a:rPr lang="ru-RU" sz="4400" dirty="0" smtClean="0">
+              <a:rPr lang="ru-RU" sz="4400" dirty="0">
                 <a:solidFill>
                   <a:srgbClr val="7564BC"/>
                 </a:solidFill>
-                <a:latin typeface="Calibri" pitchFamily="34" charset="0"/>
+                <a:latin typeface="Calibri Light" panose="020F0302020204030204" pitchFamily="34" charset="0"/>
               </a:rPr>
               <a:t> запросами </a:t>
             </a:r>
             <a:endParaRPr lang="en-US" dirty="0">
-              <a:latin typeface="Calibri" pitchFamily="34" charset="0"/>
+              <a:latin typeface="Calibri Light" panose="020F0302020204030204" pitchFamily="34" charset="0"/>
             </a:endParaRPr>
           </a:p>
         </p:txBody>
@@ -2226,7 +2203,7 @@
           </a:lstStyle>
           <a:p>
             <a:r>
-              <a:rPr lang="en-US" sz="3200" b="1" dirty="0" smtClean="0">
+              <a:rPr lang="en-US" sz="3200" b="1" dirty="0">
                 <a:solidFill>
                   <a:schemeClr val="tx1">
                     <a:lumMod val="90000"/>
@@ -2239,17 +2216,6 @@
               </a:rPr>
               <a:t>Node JS</a:t>
             </a:r>
-            <a:endParaRPr lang="en-US" sz="3200" b="1" dirty="0">
-              <a:solidFill>
-                <a:schemeClr val="tx1">
-                  <a:lumMod val="90000"/>
-                  <a:lumOff val="10000"/>
-                </a:schemeClr>
-              </a:solidFill>
-              <a:latin typeface="Calibri" pitchFamily="34" charset="0"/>
-              <a:ea typeface="Roboto Light" panose="02000000000000000000" pitchFamily="2" charset="0"/>
-              <a:cs typeface="Roboto Light" panose="02000000000000000000" pitchFamily="2" charset="0"/>
-            </a:endParaRPr>
           </a:p>
         </p:txBody>
       </p:sp>
@@ -2280,20 +2246,13 @@
     </p:spTree>
     <p:extLst>
       <p:ext uri="{BB962C8B-B14F-4D97-AF65-F5344CB8AC3E}">
-        <p14:creationId xmlns="" xmlns:p14="http://schemas.microsoft.com/office/powerpoint/2010/main" val="3436223543"/>
+        <p14:creationId xmlns:p14="http://schemas.microsoft.com/office/powerpoint/2010/main" val="3436223543"/>
       </p:ext>
     </p:extLst>
   </p:cSld>
   <p:clrMapOvr>
     <a:masterClrMapping/>
   </p:clrMapOvr>
-  <p:timing>
-    <p:tnLst>
-      <p:par>
-        <p:cTn id="1" dur="indefinite" restart="never" nodeType="tmRoot"/>
-      </p:par>
-    </p:tnLst>
-  </p:timing>
 </p:sld>
 </file>
 
@@ -2330,13 +2289,13 @@
           <a:lstStyle/>
           <a:p>
             <a:r>
-              <a:rPr lang="ru-RU" dirty="0" smtClean="0">
+              <a:rPr lang="ru-RU" dirty="0">
                 <a:latin typeface="Calibri" pitchFamily="34" charset="0"/>
               </a:rPr>
               <a:t>Модуль </a:t>
             </a:r>
             <a:r>
-              <a:rPr lang="en-US" dirty="0" smtClean="0">
+              <a:rPr lang="en-US" dirty="0">
                 <a:latin typeface="Calibri" pitchFamily="34" charset="0"/>
               </a:rPr>
               <a:t>http</a:t>
@@ -2374,48 +2333,48 @@
               <a:buChar char="•"/>
             </a:pPr>
             <a:r>
-              <a:rPr lang="en-US" dirty="0" smtClean="0">
+              <a:rPr lang="en-US" dirty="0">
                 <a:latin typeface="Calibri" pitchFamily="34" charset="0"/>
               </a:rPr>
               <a:t> </a:t>
             </a:r>
             <a:r>
-              <a:rPr lang="ru-RU" dirty="0" smtClean="0">
+              <a:rPr lang="ru-RU" dirty="0">
                 <a:latin typeface="Calibri" pitchFamily="34" charset="0"/>
               </a:rPr>
               <a:t>Для использования клиента и сервера HTTP необходимо подключить соответствующий модуль с помощью </a:t>
             </a:r>
             <a:r>
-              <a:rPr lang="ru-RU" b="1" dirty="0" err="1" smtClean="0">
+              <a:rPr lang="ru-RU" b="1" dirty="0" err="1">
                 <a:latin typeface="Calibri" pitchFamily="34" charset="0"/>
               </a:rPr>
               <a:t>require</a:t>
             </a:r>
             <a:r>
-              <a:rPr lang="ru-RU" b="1" dirty="0" smtClean="0">
+              <a:rPr lang="ru-RU" b="1" dirty="0">
                 <a:latin typeface="Calibri" pitchFamily="34" charset="0"/>
               </a:rPr>
               <a:t>('</a:t>
             </a:r>
             <a:r>
-              <a:rPr lang="ru-RU" b="1" dirty="0" err="1" smtClean="0">
+              <a:rPr lang="ru-RU" b="1" dirty="0" err="1">
                 <a:latin typeface="Calibri" pitchFamily="34" charset="0"/>
               </a:rPr>
               <a:t>http</a:t>
             </a:r>
             <a:r>
-              <a:rPr lang="ru-RU" b="1" dirty="0" smtClean="0">
+              <a:rPr lang="ru-RU" b="1" dirty="0">
                 <a:latin typeface="Calibri" pitchFamily="34" charset="0"/>
               </a:rPr>
               <a:t>')</a:t>
             </a:r>
             <a:r>
-              <a:rPr lang="en-US" dirty="0" smtClean="0">
+              <a:rPr lang="en-US" dirty="0">
                 <a:latin typeface="Calibri" pitchFamily="34" charset="0"/>
               </a:rPr>
               <a:t>. </a:t>
             </a:r>
-            <a:endParaRPr lang="ru-RU" b="1" dirty="0" smtClean="0">
+            <a:endParaRPr lang="ru-RU" b="1" dirty="0">
               <a:latin typeface="Calibri" pitchFamily="34" charset="0"/>
             </a:endParaRPr>
           </a:p>
@@ -2424,7 +2383,7 @@
               <a:buFont typeface="Arial" pitchFamily="34" charset="0"/>
               <a:buChar char="•"/>
             </a:pPr>
-            <a:endParaRPr lang="ru-RU" dirty="0" smtClean="0">
+            <a:endParaRPr lang="ru-RU" dirty="0">
               <a:latin typeface="Calibri" pitchFamily="34" charset="0"/>
             </a:endParaRPr>
           </a:p>
@@ -2434,78 +2393,78 @@
               <a:buChar char="•"/>
             </a:pPr>
             <a:r>
-              <a:rPr lang="en-US" dirty="0" smtClean="0">
+              <a:rPr lang="en-US" dirty="0">
                 <a:latin typeface="Calibri" pitchFamily="34" charset="0"/>
               </a:rPr>
               <a:t> </a:t>
             </a:r>
             <a:r>
-              <a:rPr lang="ru-RU" dirty="0" smtClean="0">
+              <a:rPr lang="ru-RU" dirty="0">
                 <a:latin typeface="Calibri" pitchFamily="34" charset="0"/>
               </a:rPr>
               <a:t>Для создания сервера используется </a:t>
             </a:r>
             <a:r>
-              <a:rPr lang="ru-RU" b="1" dirty="0" smtClean="0">
+              <a:rPr lang="ru-RU" b="1" dirty="0">
                 <a:latin typeface="Calibri" pitchFamily="34" charset="0"/>
               </a:rPr>
               <a:t>метод</a:t>
             </a:r>
             <a:r>
-              <a:rPr lang="en-US" b="1" dirty="0" smtClean="0">
+              <a:rPr lang="en-US" b="1" dirty="0">
                 <a:latin typeface="Calibri" pitchFamily="34" charset="0"/>
               </a:rPr>
               <a:t> </a:t>
             </a:r>
             <a:r>
-              <a:rPr lang="en-US" b="1" dirty="0" err="1" smtClean="0">
+              <a:rPr lang="en-US" b="1" dirty="0" err="1">
                 <a:latin typeface="Calibri" pitchFamily="34" charset="0"/>
               </a:rPr>
               <a:t>http.createServer</a:t>
             </a:r>
             <a:r>
-              <a:rPr lang="en-US" b="1" dirty="0" smtClean="0">
+              <a:rPr lang="en-US" b="1" dirty="0">
                 <a:latin typeface="Calibri" pitchFamily="34" charset="0"/>
               </a:rPr>
               <a:t>([</a:t>
             </a:r>
             <a:r>
-              <a:rPr lang="en-US" b="1" dirty="0" err="1" smtClean="0">
+              <a:rPr lang="en-US" b="1" dirty="0" err="1">
                 <a:latin typeface="Calibri" pitchFamily="34" charset="0"/>
               </a:rPr>
               <a:t>requestListener</a:t>
             </a:r>
             <a:r>
-              <a:rPr lang="en-US" b="1" dirty="0" smtClean="0">
+              <a:rPr lang="en-US" b="1" dirty="0">
                 <a:latin typeface="Calibri" pitchFamily="34" charset="0"/>
               </a:rPr>
               <a:t>])</a:t>
             </a:r>
             <a:r>
-              <a:rPr lang="ru-RU" dirty="0" smtClean="0">
+              <a:rPr lang="ru-RU" dirty="0">
                 <a:latin typeface="Calibri" pitchFamily="34" charset="0"/>
               </a:rPr>
               <a:t>. Метод возвращает новый экземпляр объекта </a:t>
             </a:r>
             <a:r>
-              <a:rPr lang="en-US" b="1" dirty="0" smtClean="0">
+              <a:rPr lang="en-US" b="1" dirty="0">
                 <a:latin typeface="Calibri" pitchFamily="34" charset="0"/>
               </a:rPr>
               <a:t>http.Server</a:t>
             </a:r>
             <a:r>
-              <a:rPr lang="ru-RU" dirty="0" smtClean="0">
+              <a:rPr lang="ru-RU" dirty="0">
                 <a:latin typeface="Calibri" pitchFamily="34" charset="0"/>
               </a:rPr>
               <a:t>. </a:t>
             </a:r>
             <a:r>
-              <a:rPr lang="en-US" b="1" dirty="0" smtClean="0">
+              <a:rPr lang="en-US" b="1" dirty="0">
                 <a:latin typeface="Calibri" pitchFamily="34" charset="0"/>
               </a:rPr>
               <a:t> </a:t>
             </a:r>
-            <a:endParaRPr lang="ru-RU" b="1" dirty="0" smtClean="0">
+            <a:endParaRPr lang="ru-RU" b="1" dirty="0">
               <a:latin typeface="Calibri" pitchFamily="34" charset="0"/>
             </a:endParaRPr>
           </a:p>
@@ -2514,7 +2473,7 @@
               <a:buFont typeface="Arial" pitchFamily="34" charset="0"/>
               <a:buChar char="•"/>
             </a:pPr>
-            <a:endParaRPr lang="en-US" dirty="0" smtClean="0">
+            <a:endParaRPr lang="en-US" dirty="0">
               <a:latin typeface="Calibri" pitchFamily="34" charset="0"/>
             </a:endParaRPr>
           </a:p>
@@ -2524,42 +2483,42 @@
               <a:buChar char="•"/>
             </a:pPr>
             <a:r>
-              <a:rPr lang="en-US" dirty="0" smtClean="0">
+              <a:rPr lang="en-US" dirty="0">
                 <a:latin typeface="Calibri" pitchFamily="34" charset="0"/>
               </a:rPr>
               <a:t> </a:t>
             </a:r>
             <a:r>
-              <a:rPr lang="ru-RU" dirty="0" smtClean="0">
+              <a:rPr lang="ru-RU" dirty="0">
                 <a:latin typeface="Calibri" pitchFamily="34" charset="0"/>
               </a:rPr>
               <a:t>Метод </a:t>
             </a:r>
             <a:r>
-              <a:rPr lang="en-US" b="1" dirty="0" err="1" smtClean="0">
+              <a:rPr lang="en-US" b="1" dirty="0" err="1">
                 <a:latin typeface="Calibri" pitchFamily="34" charset="0"/>
               </a:rPr>
               <a:t>server.listen</a:t>
             </a:r>
             <a:r>
-              <a:rPr lang="en-US" b="1" dirty="0" smtClean="0">
+              <a:rPr lang="en-US" b="1" dirty="0">
                 <a:latin typeface="Calibri" pitchFamily="34" charset="0"/>
               </a:rPr>
               <a:t>(port, [hostname], [callback])</a:t>
             </a:r>
             <a:r>
-              <a:rPr lang="ru-RU" b="1" dirty="0" smtClean="0">
+              <a:rPr lang="ru-RU" b="1" dirty="0">
                 <a:latin typeface="Calibri" pitchFamily="34" charset="0"/>
               </a:rPr>
               <a:t> </a:t>
             </a:r>
             <a:r>
-              <a:rPr lang="ru-RU" dirty="0" smtClean="0">
+              <a:rPr lang="ru-RU" dirty="0">
                 <a:latin typeface="Calibri" pitchFamily="34" charset="0"/>
               </a:rPr>
               <a:t>начинает приём соединений на указанном порту и имени хоста. Если имя хоста не указано, сервер будет принимать соединения на любой IPv4-адрес машины. </a:t>
             </a:r>
-            <a:endParaRPr lang="en-US" b="1" dirty="0" smtClean="0">
+            <a:endParaRPr lang="en-US" b="1" dirty="0">
               <a:latin typeface="Calibri" pitchFamily="34" charset="0"/>
             </a:endParaRPr>
           </a:p>
@@ -2627,13 +2586,13 @@
           <a:lstStyle/>
           <a:p>
             <a:r>
-              <a:rPr lang="en-US" dirty="0" err="1" smtClean="0">
+              <a:rPr lang="en-US" dirty="0" err="1">
                 <a:latin typeface="Calibri" pitchFamily="34" charset="0"/>
               </a:rPr>
               <a:t>var</a:t>
             </a:r>
             <a:r>
-              <a:rPr lang="en-US" dirty="0" smtClean="0">
+              <a:rPr lang="en-US" dirty="0">
                 <a:latin typeface="Calibri" pitchFamily="34" charset="0"/>
               </a:rPr>
               <a:t> http = require('http'); </a:t>
@@ -2641,37 +2600,37 @@
           </a:p>
           <a:p>
             <a:r>
-              <a:rPr lang="en-US" dirty="0" err="1" smtClean="0">
+              <a:rPr lang="en-US" dirty="0" err="1">
                 <a:latin typeface="Calibri" pitchFamily="34" charset="0"/>
               </a:rPr>
               <a:t>var</a:t>
             </a:r>
             <a:r>
-              <a:rPr lang="en-US" dirty="0" smtClean="0">
+              <a:rPr lang="en-US" dirty="0">
                 <a:latin typeface="Calibri" pitchFamily="34" charset="0"/>
               </a:rPr>
               <a:t> server = </a:t>
             </a:r>
             <a:r>
-              <a:rPr lang="en-US" dirty="0" err="1" smtClean="0">
+              <a:rPr lang="en-US" dirty="0" err="1">
                 <a:latin typeface="Calibri" pitchFamily="34" charset="0"/>
               </a:rPr>
               <a:t>http.createServer</a:t>
             </a:r>
             <a:r>
-              <a:rPr lang="en-US" dirty="0" smtClean="0">
+              <a:rPr lang="en-US" dirty="0">
                 <a:latin typeface="Calibri" pitchFamily="34" charset="0"/>
               </a:rPr>
               <a:t>(function(</a:t>
             </a:r>
             <a:r>
-              <a:rPr lang="en-US" dirty="0" err="1" smtClean="0">
+              <a:rPr lang="en-US" dirty="0" err="1">
                 <a:latin typeface="Calibri" pitchFamily="34" charset="0"/>
               </a:rPr>
               <a:t>req</a:t>
             </a:r>
             <a:r>
-              <a:rPr lang="en-US" dirty="0" smtClean="0">
+              <a:rPr lang="en-US" dirty="0">
                 <a:latin typeface="Calibri" pitchFamily="34" charset="0"/>
               </a:rPr>
               <a:t>, res) {</a:t>
@@ -2679,19 +2638,19 @@
           </a:p>
           <a:p>
             <a:r>
-              <a:rPr lang="en-US" dirty="0" smtClean="0">
+              <a:rPr lang="en-US" dirty="0">
                 <a:latin typeface="Calibri" pitchFamily="34" charset="0"/>
               </a:rPr>
               <a:t>    </a:t>
             </a:r>
             <a:r>
-              <a:rPr lang="en-US" dirty="0" err="1" smtClean="0">
+              <a:rPr lang="en-US" dirty="0" err="1">
                 <a:latin typeface="Calibri" pitchFamily="34" charset="0"/>
               </a:rPr>
               <a:t>res.end</a:t>
             </a:r>
             <a:r>
-              <a:rPr lang="en-US" dirty="0" smtClean="0">
+              <a:rPr lang="en-US" dirty="0">
                 <a:latin typeface="Calibri" pitchFamily="34" charset="0"/>
               </a:rPr>
               <a:t>('Hello World!'); </a:t>
@@ -2699,26 +2658,26 @@
           </a:p>
           <a:p>
             <a:r>
-              <a:rPr lang="uk-UA" dirty="0" smtClean="0">
+              <a:rPr lang="uk-UA" dirty="0">
                 <a:latin typeface="Calibri" pitchFamily="34" charset="0"/>
               </a:rPr>
               <a:t>}); </a:t>
             </a:r>
           </a:p>
           <a:p>
-            <a:endParaRPr lang="uk-UA" dirty="0" smtClean="0">
+            <a:endParaRPr lang="uk-UA" dirty="0">
               <a:latin typeface="Calibri" pitchFamily="34" charset="0"/>
             </a:endParaRPr>
           </a:p>
           <a:p>
             <a:r>
-              <a:rPr lang="en-US" dirty="0" err="1" smtClean="0">
+              <a:rPr lang="en-US" dirty="0" err="1">
                 <a:latin typeface="Calibri" pitchFamily="34" charset="0"/>
               </a:rPr>
               <a:t>server.listen</a:t>
             </a:r>
             <a:r>
-              <a:rPr lang="en-US" dirty="0" smtClean="0">
+              <a:rPr lang="en-US" dirty="0">
                 <a:latin typeface="Calibri" pitchFamily="34" charset="0"/>
               </a:rPr>
               <a:t>(3000); </a:t>
@@ -2767,13 +2726,13 @@
           <a:lstStyle/>
           <a:p>
             <a:r>
-              <a:rPr lang="en-US" dirty="0" smtClean="0">
+              <a:rPr lang="en-US" dirty="0">
                 <a:latin typeface="Calibri" pitchFamily="34" charset="0"/>
               </a:rPr>
               <a:t>HTTP </a:t>
             </a:r>
             <a:r>
-              <a:rPr lang="uk-UA" dirty="0" err="1" smtClean="0">
+              <a:rPr lang="uk-UA" dirty="0" err="1">
                 <a:latin typeface="Calibri" pitchFamily="34" charset="0"/>
               </a:rPr>
               <a:t>методы</a:t>
@@ -2803,8 +2762,20 @@
                 <a:tableStyleId>{5C22544A-7EE6-4342-B048-85BDC9FD1C3A}</a:tableStyleId>
               </a:tblPr>
               <a:tblGrid>
-                <a:gridCol w="2468880"/>
-                <a:gridCol w="5760720"/>
+                <a:gridCol w="2468880">
+                  <a:extLst>
+                    <a:ext uri="{9D8B030D-6E8A-4147-A177-3AD203B41FA5}">
+                      <a16:colId xmlns:a16="http://schemas.microsoft.com/office/drawing/2014/main" val="20000"/>
+                    </a:ext>
+                  </a:extLst>
+                </a:gridCol>
+                <a:gridCol w="5760720">
+                  <a:extLst>
+                    <a:ext uri="{9D8B030D-6E8A-4147-A177-3AD203B41FA5}">
+                      <a16:colId xmlns:a16="http://schemas.microsoft.com/office/drawing/2014/main" val="20001"/>
+                    </a:ext>
+                  </a:extLst>
+                </a:gridCol>
               </a:tblGrid>
               <a:tr h="487680">
                 <a:tc>
@@ -2814,7 +2785,7 @@
                     <a:p>
                       <a:pPr algn="ctr"/>
                       <a:r>
-                        <a:rPr lang="en-US" sz="1800" dirty="0" smtClean="0">
+                        <a:rPr lang="en-US" sz="1800" dirty="0">
                           <a:solidFill>
                             <a:schemeClr val="bg1"/>
                           </a:solidFill>
@@ -2824,7 +2795,7 @@
                         <a:t>HTTP </a:t>
                       </a:r>
                       <a:r>
-                        <a:rPr lang="ru-RU" sz="1800" dirty="0" smtClean="0">
+                        <a:rPr lang="ru-RU" sz="1800" dirty="0">
                           <a:solidFill>
                             <a:schemeClr val="bg1"/>
                           </a:solidFill>
@@ -2851,7 +2822,7 @@
                     <a:p>
                       <a:pPr algn="ctr"/>
                       <a:r>
-                        <a:rPr lang="ru-RU" sz="1800" dirty="0" smtClean="0">
+                        <a:rPr lang="ru-RU" sz="1800" dirty="0">
                           <a:latin typeface="Calibri" pitchFamily="34" charset="0"/>
                           <a:cs typeface="Calibri" pitchFamily="34" charset="0"/>
                         </a:rPr>
@@ -2865,6 +2836,11 @@
                   </a:txBody>
                   <a:tcPr marT="60960" marB="60960"/>
                 </a:tc>
+                <a:extLst>
+                  <a:ext uri="{0D108BD9-81ED-4DB2-BD59-A6C34878D82A}">
+                    <a16:rowId xmlns:a16="http://schemas.microsoft.com/office/drawing/2014/main" val="10000"/>
+                  </a:ext>
+                </a:extLst>
               </a:tr>
               <a:tr h="853440">
                 <a:tc>
@@ -2873,16 +2849,12 @@
                     <a:lstStyle/>
                     <a:p>
                       <a:r>
-                        <a:rPr lang="en-US" sz="1800" dirty="0" smtClean="0">
+                        <a:rPr lang="en-US" sz="1800" dirty="0">
                           <a:latin typeface="Calibri" pitchFamily="34" charset="0"/>
                           <a:cs typeface="Calibri" pitchFamily="34" charset="0"/>
                         </a:rPr>
                         <a:t>OPTIONS</a:t>
                       </a:r>
-                      <a:endParaRPr lang="en-US" sz="1800" dirty="0">
-                        <a:latin typeface="Calibri" pitchFamily="34" charset="0"/>
-                        <a:cs typeface="Calibri" pitchFamily="34" charset="0"/>
-                      </a:endParaRPr>
                     </a:p>
                   </a:txBody>
                   <a:tcPr marT="60960" marB="60960"/>
@@ -2893,28 +2865,28 @@
                     <a:lstStyle/>
                     <a:p>
                       <a:r>
-                        <a:rPr lang="ru-RU" sz="1800" dirty="0" smtClean="0">
+                        <a:rPr lang="ru-RU" sz="1800" dirty="0">
                           <a:latin typeface="Calibri" pitchFamily="34" charset="0"/>
                           <a:cs typeface="Calibri" pitchFamily="34" charset="0"/>
                         </a:rPr>
                         <a:t>Используется</a:t>
                       </a:r>
                       <a:r>
-                        <a:rPr lang="ru-RU" sz="1800" baseline="0" dirty="0" smtClean="0">
+                        <a:rPr lang="ru-RU" sz="1800" baseline="0" dirty="0">
                           <a:latin typeface="Calibri" pitchFamily="34" charset="0"/>
                           <a:cs typeface="Calibri" pitchFamily="34" charset="0"/>
                         </a:rPr>
                         <a:t> </a:t>
                       </a:r>
                       <a:r>
-                        <a:rPr lang="ru-RU" sz="1800" baseline="0" dirty="0" err="1" smtClean="0">
+                        <a:rPr lang="ru-RU" sz="1800" baseline="0" dirty="0" err="1">
                           <a:latin typeface="Calibri" pitchFamily="34" charset="0"/>
                           <a:cs typeface="Calibri" pitchFamily="34" charset="0"/>
                         </a:rPr>
                         <a:t>клиентсикм</a:t>
                       </a:r>
                       <a:r>
-                        <a:rPr lang="ru-RU" sz="1800" baseline="0" dirty="0" smtClean="0">
+                        <a:rPr lang="ru-RU" sz="1800" baseline="0" dirty="0">
                           <a:latin typeface="Calibri" pitchFamily="34" charset="0"/>
                           <a:cs typeface="Calibri" pitchFamily="34" charset="0"/>
                         </a:rPr>
@@ -2928,6 +2900,11 @@
                   </a:txBody>
                   <a:tcPr marT="60960" marB="60960"/>
                 </a:tc>
+                <a:extLst>
+                  <a:ext uri="{0D108BD9-81ED-4DB2-BD59-A6C34878D82A}">
+                    <a16:rowId xmlns:a16="http://schemas.microsoft.com/office/drawing/2014/main" val="10001"/>
+                  </a:ext>
+                </a:extLst>
               </a:tr>
               <a:tr h="494453">
                 <a:tc>
@@ -2936,16 +2913,12 @@
                     <a:lstStyle/>
                     <a:p>
                       <a:r>
-                        <a:rPr lang="en-US" sz="1800" b="0" dirty="0" smtClean="0">
+                        <a:rPr lang="en-US" sz="1800" b="0" dirty="0">
                           <a:latin typeface="Calibri" pitchFamily="34" charset="0"/>
                           <a:cs typeface="Calibri" pitchFamily="34" charset="0"/>
                         </a:rPr>
                         <a:t>GET</a:t>
                       </a:r>
-                      <a:endParaRPr lang="en-US" sz="1800" b="0" dirty="0">
-                        <a:latin typeface="Calibri" pitchFamily="34" charset="0"/>
-                        <a:cs typeface="Calibri" pitchFamily="34" charset="0"/>
-                      </a:endParaRPr>
                     </a:p>
                   </a:txBody>
                   <a:tcPr marT="60960" marB="60960"/>
@@ -2956,7 +2929,7 @@
                     <a:lstStyle/>
                     <a:p>
                       <a:r>
-                        <a:rPr lang="ru-RU" sz="1800" dirty="0" smtClean="0">
+                        <a:rPr lang="ru-RU" sz="1800" dirty="0">
                           <a:latin typeface="Calibri" pitchFamily="34" charset="0"/>
                           <a:cs typeface="Calibri" pitchFamily="34" charset="0"/>
                         </a:rPr>
@@ -2970,6 +2943,11 @@
                   </a:txBody>
                   <a:tcPr marT="60960" marB="60960"/>
                 </a:tc>
+                <a:extLst>
+                  <a:ext uri="{0D108BD9-81ED-4DB2-BD59-A6C34878D82A}">
+                    <a16:rowId xmlns:a16="http://schemas.microsoft.com/office/drawing/2014/main" val="10002"/>
+                  </a:ext>
+                </a:extLst>
               </a:tr>
               <a:tr h="853440">
                 <a:tc>
@@ -2978,16 +2956,12 @@
                     <a:lstStyle/>
                     <a:p>
                       <a:r>
-                        <a:rPr lang="en-US" sz="1800" dirty="0" smtClean="0">
+                        <a:rPr lang="en-US" sz="1800" dirty="0">
                           <a:latin typeface="Calibri" pitchFamily="34" charset="0"/>
                           <a:cs typeface="Calibri" pitchFamily="34" charset="0"/>
                         </a:rPr>
                         <a:t>HEAD</a:t>
                       </a:r>
-                      <a:endParaRPr lang="en-US" sz="1800" dirty="0">
-                        <a:latin typeface="Calibri" pitchFamily="34" charset="0"/>
-                        <a:cs typeface="Calibri" pitchFamily="34" charset="0"/>
-                      </a:endParaRPr>
                     </a:p>
                   </a:txBody>
                   <a:tcPr marT="60960" marB="60960"/>
@@ -2998,14 +2972,14 @@
                     <a:lstStyle/>
                     <a:p>
                       <a:r>
-                        <a:rPr lang="ru-RU" sz="1800" dirty="0" smtClean="0">
+                        <a:rPr lang="ru-RU" sz="1800" dirty="0">
                           <a:latin typeface="Calibri" pitchFamily="34" charset="0"/>
                           <a:cs typeface="Calibri" pitchFamily="34" charset="0"/>
                         </a:rPr>
                         <a:t>Получение метаданных (заголовков) ресурса.</a:t>
                       </a:r>
                       <a:r>
-                        <a:rPr lang="ru-RU" sz="1800" baseline="0" dirty="0" smtClean="0">
+                        <a:rPr lang="ru-RU" sz="1800" baseline="0" dirty="0">
                           <a:latin typeface="Calibri" pitchFamily="34" charset="0"/>
                           <a:cs typeface="Calibri" pitchFamily="34" charset="0"/>
                         </a:rPr>
@@ -3019,6 +2993,11 @@
                   </a:txBody>
                   <a:tcPr marT="60960" marB="60960"/>
                 </a:tc>
+                <a:extLst>
+                  <a:ext uri="{0D108BD9-81ED-4DB2-BD59-A6C34878D82A}">
+                    <a16:rowId xmlns:a16="http://schemas.microsoft.com/office/drawing/2014/main" val="10003"/>
+                  </a:ext>
+                </a:extLst>
               </a:tr>
               <a:tr h="853440">
                 <a:tc>
@@ -3027,16 +3006,12 @@
                     <a:lstStyle/>
                     <a:p>
                       <a:r>
-                        <a:rPr lang="en-US" sz="1800" b="0" dirty="0" smtClean="0">
+                        <a:rPr lang="en-US" sz="1800" b="0" dirty="0">
                           <a:latin typeface="Calibri" pitchFamily="34" charset="0"/>
                           <a:cs typeface="Calibri" pitchFamily="34" charset="0"/>
                         </a:rPr>
                         <a:t>POST</a:t>
                       </a:r>
-                      <a:endParaRPr lang="en-US" sz="1800" b="0" dirty="0">
-                        <a:latin typeface="Calibri" pitchFamily="34" charset="0"/>
-                        <a:cs typeface="Calibri" pitchFamily="34" charset="0"/>
-                      </a:endParaRPr>
                     </a:p>
                   </a:txBody>
                   <a:tcPr marT="60960" marB="60960"/>
@@ -3047,14 +3022,14 @@
                     <a:lstStyle/>
                     <a:p>
                       <a:r>
-                        <a:rPr lang="ru-RU" sz="1800" dirty="0" smtClean="0">
+                        <a:rPr lang="ru-RU" sz="1800" dirty="0">
                           <a:latin typeface="Calibri" pitchFamily="34" charset="0"/>
                           <a:cs typeface="Calibri" pitchFamily="34" charset="0"/>
                         </a:rPr>
                         <a:t>Отправка данных на</a:t>
                       </a:r>
                       <a:r>
-                        <a:rPr lang="ru-RU" sz="1800" baseline="0" dirty="0" smtClean="0">
+                        <a:rPr lang="ru-RU" sz="1800" baseline="0" dirty="0">
                           <a:latin typeface="Calibri" pitchFamily="34" charset="0"/>
                           <a:cs typeface="Calibri" pitchFamily="34" charset="0"/>
                         </a:rPr>
@@ -3068,6 +3043,11 @@
                   </a:txBody>
                   <a:tcPr marT="60960" marB="60960"/>
                 </a:tc>
+                <a:extLst>
+                  <a:ext uri="{0D108BD9-81ED-4DB2-BD59-A6C34878D82A}">
+                    <a16:rowId xmlns:a16="http://schemas.microsoft.com/office/drawing/2014/main" val="10004"/>
+                  </a:ext>
+                </a:extLst>
               </a:tr>
               <a:tr h="853440">
                 <a:tc>
@@ -3076,16 +3056,12 @@
                     <a:lstStyle/>
                     <a:p>
                       <a:r>
-                        <a:rPr lang="en-US" sz="1800" dirty="0" smtClean="0">
+                        <a:rPr lang="en-US" sz="1800" dirty="0">
                           <a:latin typeface="Calibri" pitchFamily="34" charset="0"/>
                           <a:cs typeface="Calibri" pitchFamily="34" charset="0"/>
                         </a:rPr>
                         <a:t>PUT</a:t>
                       </a:r>
-                      <a:endParaRPr lang="en-US" sz="1800" dirty="0">
-                        <a:latin typeface="Calibri" pitchFamily="34" charset="0"/>
-                        <a:cs typeface="Calibri" pitchFamily="34" charset="0"/>
-                      </a:endParaRPr>
                     </a:p>
                   </a:txBody>
                   <a:tcPr marT="60960" marB="60960"/>
@@ -3096,42 +3072,42 @@
                     <a:lstStyle/>
                     <a:p>
                       <a:r>
-                        <a:rPr lang="ru-RU" sz="1800" dirty="0" smtClean="0">
+                        <a:rPr lang="ru-RU" sz="1800" dirty="0">
                           <a:latin typeface="Calibri" pitchFamily="34" charset="0"/>
                           <a:cs typeface="Calibri" pitchFamily="34" charset="0"/>
                         </a:rPr>
                         <a:t>Позволяет клиенту создать ресурс по указанному</a:t>
                       </a:r>
                       <a:r>
-                        <a:rPr lang="ru-RU" sz="1800" baseline="0" dirty="0" smtClean="0">
+                        <a:rPr lang="ru-RU" sz="1800" baseline="0" dirty="0">
                           <a:latin typeface="Calibri" pitchFamily="34" charset="0"/>
                           <a:cs typeface="Calibri" pitchFamily="34" charset="0"/>
                         </a:rPr>
                         <a:t> </a:t>
                       </a:r>
                       <a:r>
-                        <a:rPr lang="en-US" sz="1800" baseline="0" dirty="0" smtClean="0">
+                        <a:rPr lang="en-US" sz="1800" baseline="0" dirty="0">
                           <a:latin typeface="Calibri" pitchFamily="34" charset="0"/>
                           <a:cs typeface="Calibri" pitchFamily="34" charset="0"/>
                         </a:rPr>
                         <a:t>URL (</a:t>
                       </a:r>
                       <a:r>
-                        <a:rPr lang="ru-RU" sz="1800" baseline="0" dirty="0" smtClean="0">
+                        <a:rPr lang="ru-RU" sz="1800" baseline="0" dirty="0">
                           <a:latin typeface="Calibri" pitchFamily="34" charset="0"/>
                           <a:cs typeface="Calibri" pitchFamily="34" charset="0"/>
                         </a:rPr>
                         <a:t>создать файл на сервере</a:t>
                       </a:r>
                       <a:r>
-                        <a:rPr lang="en-US" sz="1800" baseline="0" dirty="0" smtClean="0">
+                        <a:rPr lang="en-US" sz="1800" baseline="0" dirty="0">
                           <a:latin typeface="Calibri" pitchFamily="34" charset="0"/>
                           <a:cs typeface="Calibri" pitchFamily="34" charset="0"/>
                         </a:rPr>
                         <a:t>)</a:t>
                       </a:r>
                       <a:r>
-                        <a:rPr lang="ru-RU" sz="1800" baseline="0" dirty="0" smtClean="0">
+                        <a:rPr lang="ru-RU" sz="1800" baseline="0" dirty="0">
                           <a:latin typeface="Calibri" pitchFamily="34" charset="0"/>
                           <a:cs typeface="Calibri" pitchFamily="34" charset="0"/>
                         </a:rPr>
@@ -3145,6 +3121,11 @@
                   </a:txBody>
                   <a:tcPr marT="60960" marB="60960"/>
                 </a:tc>
+                <a:extLst>
+                  <a:ext uri="{0D108BD9-81ED-4DB2-BD59-A6C34878D82A}">
+                    <a16:rowId xmlns:a16="http://schemas.microsoft.com/office/drawing/2014/main" val="10005"/>
+                  </a:ext>
+                </a:extLst>
               </a:tr>
               <a:tr h="494453">
                 <a:tc>
@@ -3153,16 +3134,12 @@
                     <a:lstStyle/>
                     <a:p>
                       <a:r>
-                        <a:rPr lang="en-US" sz="1800" dirty="0" smtClean="0">
+                        <a:rPr lang="en-US" sz="1800" dirty="0">
                           <a:latin typeface="Calibri" pitchFamily="34" charset="0"/>
                           <a:cs typeface="Calibri" pitchFamily="34" charset="0"/>
                         </a:rPr>
                         <a:t>DELETE</a:t>
                       </a:r>
-                      <a:endParaRPr lang="en-US" sz="1800" dirty="0">
-                        <a:latin typeface="Calibri" pitchFamily="34" charset="0"/>
-                        <a:cs typeface="Calibri" pitchFamily="34" charset="0"/>
-                      </a:endParaRPr>
                     </a:p>
                   </a:txBody>
                   <a:tcPr marT="60960" marB="60960"/>
@@ -3173,14 +3150,14 @@
                     <a:lstStyle/>
                     <a:p>
                       <a:r>
-                        <a:rPr lang="ru-RU" sz="1800" dirty="0" smtClean="0">
+                        <a:rPr lang="ru-RU" sz="1800" dirty="0">
                           <a:latin typeface="Calibri" pitchFamily="34" charset="0"/>
                           <a:cs typeface="Calibri" pitchFamily="34" charset="0"/>
                         </a:rPr>
                         <a:t>Удаление ресурса</a:t>
                       </a:r>
                       <a:r>
-                        <a:rPr lang="ru-RU" sz="1800" baseline="0" dirty="0" smtClean="0">
+                        <a:rPr lang="ru-RU" sz="1800" baseline="0" dirty="0">
                           <a:latin typeface="Calibri" pitchFamily="34" charset="0"/>
                           <a:cs typeface="Calibri" pitchFamily="34" charset="0"/>
                         </a:rPr>
@@ -3194,6 +3171,11 @@
                   </a:txBody>
                   <a:tcPr marT="60960" marB="60960"/>
                 </a:tc>
+                <a:extLst>
+                  <a:ext uri="{0D108BD9-81ED-4DB2-BD59-A6C34878D82A}">
+                    <a16:rowId xmlns:a16="http://schemas.microsoft.com/office/drawing/2014/main" val="10006"/>
+                  </a:ext>
+                </a:extLst>
               </a:tr>
               <a:tr h="494453">
                 <a:tc>
@@ -3202,16 +3184,12 @@
                     <a:lstStyle/>
                     <a:p>
                       <a:r>
-                        <a:rPr lang="en-US" sz="1800" dirty="0" smtClean="0">
+                        <a:rPr lang="en-US" sz="1800" dirty="0">
                           <a:latin typeface="Calibri" pitchFamily="34" charset="0"/>
                           <a:cs typeface="Calibri" pitchFamily="34" charset="0"/>
                         </a:rPr>
                         <a:t>CONNECT</a:t>
                       </a:r>
-                      <a:endParaRPr lang="en-US" sz="1800" dirty="0">
-                        <a:latin typeface="Calibri" pitchFamily="34" charset="0"/>
-                        <a:cs typeface="Calibri" pitchFamily="34" charset="0"/>
-                      </a:endParaRPr>
                     </a:p>
                   </a:txBody>
                   <a:tcPr marT="60960" marB="60960"/>
@@ -3222,21 +3200,14 @@
                     <a:lstStyle/>
                     <a:p>
                       <a:r>
-                        <a:rPr lang="ru-RU" sz="1800" dirty="0" smtClean="0">
+                        <a:rPr lang="ru-RU" sz="1800" dirty="0">
                           <a:latin typeface="Calibri" pitchFamily="34" charset="0"/>
                           <a:cs typeface="Calibri" pitchFamily="34" charset="0"/>
                         </a:rPr>
-                        <a:t>Команда для использования </a:t>
+                        <a:t>Команда для использования прокси</a:t>
                       </a:r>
                       <a:r>
-                        <a:rPr lang="ru-RU" sz="1800" dirty="0" err="1" smtClean="0">
-                          <a:latin typeface="Calibri" pitchFamily="34" charset="0"/>
-                          <a:cs typeface="Calibri" pitchFamily="34" charset="0"/>
-                        </a:rPr>
-                        <a:t>прокси</a:t>
-                      </a:r>
-                      <a:r>
-                        <a:rPr lang="ru-RU" sz="1800" baseline="0" dirty="0" smtClean="0">
+                        <a:rPr lang="ru-RU" sz="1800" baseline="0" dirty="0">
                           <a:latin typeface="Calibri" pitchFamily="34" charset="0"/>
                           <a:cs typeface="Calibri" pitchFamily="34" charset="0"/>
                         </a:rPr>
@@ -3250,6 +3221,11 @@
                   </a:txBody>
                   <a:tcPr marT="60960" marB="60960"/>
                 </a:tc>
+                <a:extLst>
+                  <a:ext uri="{0D108BD9-81ED-4DB2-BD59-A6C34878D82A}">
+                    <a16:rowId xmlns:a16="http://schemas.microsoft.com/office/drawing/2014/main" val="10007"/>
+                  </a:ext>
+                </a:extLst>
               </a:tr>
             </a:tbl>
           </a:graphicData>
@@ -3258,20 +3234,13 @@
     </p:spTree>
     <p:extLst>
       <p:ext uri="{BB962C8B-B14F-4D97-AF65-F5344CB8AC3E}">
-        <p14:creationId xmlns="" xmlns:p14="http://schemas.microsoft.com/office/powerpoint/2010/main" val="4126915530"/>
+        <p14:creationId xmlns:p14="http://schemas.microsoft.com/office/powerpoint/2010/main" val="4126915530"/>
       </p:ext>
     </p:extLst>
   </p:cSld>
   <p:clrMapOvr>
     <a:masterClrMapping/>
   </p:clrMapOvr>
-  <p:timing>
-    <p:tnLst>
-      <p:par>
-        <p:cTn id="1" dur="indefinite" restart="never" nodeType="tmRoot"/>
-      </p:par>
-    </p:tnLst>
-  </p:timing>
 </p:sld>
 </file>
 
@@ -3308,7 +3277,7 @@
           <a:lstStyle/>
           <a:p>
             <a:r>
-              <a:rPr lang="ru-RU" dirty="0" smtClean="0">
+              <a:rPr lang="ru-RU" dirty="0">
                 <a:latin typeface="Calibri" pitchFamily="34" charset="0"/>
               </a:rPr>
               <a:t>Обработка запросов</a:t>
@@ -3346,64 +3315,100 @@
               <a:buChar char="•"/>
             </a:pPr>
             <a:r>
-              <a:rPr lang="ru-RU" dirty="0" smtClean="0">
+              <a:rPr lang="ru-RU" dirty="0">
                 <a:latin typeface="Calibri" pitchFamily="34" charset="0"/>
               </a:rPr>
               <a:t> </a:t>
             </a:r>
             <a:r>
-              <a:rPr lang="en-US" dirty="0" smtClean="0">
-                <a:latin typeface="Calibri" pitchFamily="34" charset="0"/>
-              </a:rPr>
-              <a:t>http.Server - </a:t>
-            </a:r>
-            <a:r>
-              <a:rPr lang="ru-RU" dirty="0" smtClean="0">
+              <a:rPr lang="en-US" b="1" dirty="0">
+                <a:latin typeface="Calibri" pitchFamily="34" charset="0"/>
+              </a:rPr>
+              <a:t>http.Server</a:t>
+            </a:r>
+            <a:r>
+              <a:rPr lang="en-US" dirty="0">
+                <a:latin typeface="Calibri" pitchFamily="34" charset="0"/>
+              </a:rPr>
+              <a:t> - </a:t>
+            </a:r>
+            <a:r>
+              <a:rPr lang="ru-RU" dirty="0">
                 <a:latin typeface="Calibri" pitchFamily="34" charset="0"/>
               </a:rPr>
               <a:t>это </a:t>
             </a:r>
             <a:r>
-              <a:rPr lang="ru-RU" dirty="0" err="1" smtClean="0">
+              <a:rPr lang="ru-RU" b="1" dirty="0" err="1">
                 <a:latin typeface="Calibri" pitchFamily="34" charset="0"/>
               </a:rPr>
               <a:t>EventEmitter</a:t>
             </a:r>
             <a:r>
-              <a:rPr lang="ru-RU" dirty="0" smtClean="0">
+              <a:rPr lang="ru-RU" dirty="0">
                 <a:latin typeface="Calibri" pitchFamily="34" charset="0"/>
               </a:rPr>
               <a:t> со следующими событиями:</a:t>
             </a:r>
             <a:r>
-              <a:rPr lang="en-US" dirty="0" smtClean="0">
+              <a:rPr lang="en-US" dirty="0">
                 <a:latin typeface="Calibri" pitchFamily="34" charset="0"/>
               </a:rPr>
               <a:t> </a:t>
             </a:r>
             <a:r>
-              <a:rPr lang="en-US" b="1" dirty="0" smtClean="0">
+              <a:rPr lang="en-US" b="1" dirty="0">
                 <a:latin typeface="Calibri" pitchFamily="34" charset="0"/>
               </a:rPr>
               <a:t>request</a:t>
             </a:r>
             <a:r>
-              <a:rPr lang="en-US" dirty="0" smtClean="0">
-                <a:latin typeface="Calibri" pitchFamily="34" charset="0"/>
-              </a:rPr>
-              <a:t>, connection, close etc. </a:t>
-            </a:r>
-            <a:r>
-              <a:rPr lang="ru-RU" dirty="0" smtClean="0">
-                <a:latin typeface="Calibri" pitchFamily="34" charset="0"/>
-              </a:rPr>
-              <a:t>Таким образом, функция, обрабатывающая запрос – обработчик события </a:t>
-            </a:r>
-            <a:r>
-              <a:rPr lang="en-US" dirty="0" smtClean="0">
-                <a:latin typeface="Calibri" pitchFamily="34" charset="0"/>
-              </a:rPr>
-              <a:t>request: </a:t>
+              <a:rPr lang="en-US" dirty="0">
+                <a:latin typeface="Calibri" pitchFamily="34" charset="0"/>
+              </a:rPr>
+              <a:t>, </a:t>
+            </a:r>
+            <a:r>
+              <a:rPr lang="en-US" b="1" dirty="0">
+                <a:latin typeface="Calibri" pitchFamily="34" charset="0"/>
+              </a:rPr>
+              <a:t>connection</a:t>
+            </a:r>
+            <a:r>
+              <a:rPr lang="en-US" dirty="0">
+                <a:latin typeface="Calibri" pitchFamily="34" charset="0"/>
+              </a:rPr>
+              <a:t>, </a:t>
+            </a:r>
+            <a:r>
+              <a:rPr lang="en-US" b="1" dirty="0">
+                <a:latin typeface="Calibri" pitchFamily="34" charset="0"/>
+              </a:rPr>
+              <a:t>close</a:t>
+            </a:r>
+            <a:r>
+              <a:rPr lang="en-US" dirty="0">
+                <a:latin typeface="Calibri" pitchFamily="34" charset="0"/>
+              </a:rPr>
+              <a:t> etc. </a:t>
+            </a:r>
+            <a:r>
+              <a:rPr lang="ru-RU" dirty="0">
+                <a:latin typeface="Calibri" pitchFamily="34" charset="0"/>
+              </a:rPr>
+              <a:t>Функция, обрабатывающая запрос  – обработчик события </a:t>
+            </a:r>
+            <a:r>
+              <a:rPr lang="en-US" b="1" dirty="0">
+                <a:latin typeface="Calibri" pitchFamily="34" charset="0"/>
+              </a:rPr>
+              <a:t>request</a:t>
+            </a:r>
+            <a:r>
+              <a:rPr lang="en-US" dirty="0">
+                <a:latin typeface="Calibri" pitchFamily="34" charset="0"/>
+              </a:rPr>
+              <a:t>: </a:t>
             </a:r>
           </a:p>
         </p:txBody>
@@ -3431,31 +3436,31 @@
           <a:lstStyle/>
           <a:p>
             <a:r>
-              <a:rPr lang="en-US" dirty="0" err="1" smtClean="0">
+              <a:rPr lang="en-US" dirty="0" err="1">
                 <a:latin typeface="Calibri" pitchFamily="34" charset="0"/>
               </a:rPr>
               <a:t>server.on</a:t>
             </a:r>
             <a:r>
-              <a:rPr lang="en-US" dirty="0" smtClean="0">
+              <a:rPr lang="en-US" dirty="0">
                 <a:latin typeface="Calibri" pitchFamily="34" charset="0"/>
               </a:rPr>
               <a:t>('request', function (</a:t>
             </a:r>
             <a:r>
-              <a:rPr lang="en-US" b="1" dirty="0" err="1" smtClean="0">
+              <a:rPr lang="en-US" b="1" dirty="0" err="1">
                 <a:latin typeface="Calibri" pitchFamily="34" charset="0"/>
               </a:rPr>
               <a:t>req</a:t>
             </a:r>
             <a:r>
-              <a:rPr lang="en-US" b="1" dirty="0" smtClean="0">
+              <a:rPr lang="en-US" b="1" dirty="0">
                 <a:latin typeface="Calibri" pitchFamily="34" charset="0"/>
               </a:rPr>
               <a:t>, res</a:t>
             </a:r>
             <a:r>
-              <a:rPr lang="en-US" dirty="0" smtClean="0">
+              <a:rPr lang="en-US" dirty="0">
                 <a:latin typeface="Calibri" pitchFamily="34" charset="0"/>
               </a:rPr>
               <a:t>) {</a:t>
@@ -3463,25 +3468,22 @@
           </a:p>
           <a:p>
             <a:r>
-              <a:rPr lang="ru-RU" dirty="0" smtClean="0">
+              <a:rPr lang="ru-RU" dirty="0">
                 <a:latin typeface="Calibri" pitchFamily="34" charset="0"/>
               </a:rPr>
               <a:t>	</a:t>
-            </a:r>
-            <a:endParaRPr lang="uk-UA" dirty="0" smtClean="0">
-              <a:latin typeface="Calibri" pitchFamily="34" charset="0"/>
-            </a:endParaRPr>
-          </a:p>
-          <a:p>
-            <a:r>
-              <a:rPr lang="uk-UA" dirty="0" smtClean="0">
-                <a:latin typeface="Calibri" pitchFamily="34" charset="0"/>
-              </a:rPr>
-              <a:t>})</a:t>
             </a:r>
             <a:endParaRPr lang="uk-UA" dirty="0">
               <a:latin typeface="Calibri" pitchFamily="34" charset="0"/>
             </a:endParaRPr>
+          </a:p>
+          <a:p>
+            <a:r>
+              <a:rPr lang="uk-UA" dirty="0">
+                <a:latin typeface="Calibri" pitchFamily="34" charset="0"/>
+              </a:rPr>
+              <a:t>})</a:t>
+            </a:r>
           </a:p>
         </p:txBody>
       </p:sp>
@@ -3574,7 +3576,7 @@
           <a:lstStyle/>
           <a:p>
             <a:r>
-              <a:rPr lang="ru-RU" dirty="0" smtClean="0">
+              <a:rPr lang="ru-RU" dirty="0">
                 <a:latin typeface="Calibri" pitchFamily="34" charset="0"/>
               </a:rPr>
               <a:t>Объект запроса</a:t>
@@ -3608,7 +3610,7 @@
           <a:lstStyle/>
           <a:p>
             <a:r>
-              <a:rPr lang="ru-RU" dirty="0" smtClean="0">
+              <a:rPr lang="ru-RU" dirty="0">
                 <a:latin typeface="Calibri" pitchFamily="34" charset="0"/>
               </a:rPr>
               <a:t>Объект ответа</a:t>
@@ -3646,31 +3648,31 @@
               <a:buChar char="•"/>
             </a:pPr>
             <a:r>
-              <a:rPr lang="ru-RU" dirty="0" smtClean="0">
+              <a:rPr lang="ru-RU" dirty="0">
                 <a:latin typeface="Calibri" pitchFamily="34" charset="0"/>
               </a:rPr>
               <a:t> Событие </a:t>
             </a:r>
             <a:r>
-              <a:rPr lang="en-US" dirty="0" smtClean="0">
+              <a:rPr lang="en-US" dirty="0">
                 <a:latin typeface="Calibri" pitchFamily="34" charset="0"/>
               </a:rPr>
               <a:t>request </a:t>
             </a:r>
             <a:r>
-              <a:rPr lang="ru-RU" dirty="0" smtClean="0">
+              <a:rPr lang="ru-RU" dirty="0">
                 <a:latin typeface="Calibri" pitchFamily="34" charset="0"/>
               </a:rPr>
               <a:t>генерируется каждый раз при получении запроса. В течении одного соединения может происходить несколько запросов (в случае </a:t>
             </a:r>
             <a:r>
-              <a:rPr lang="ru-RU" dirty="0" err="1" smtClean="0">
+              <a:rPr lang="ru-RU" dirty="0" err="1">
                 <a:latin typeface="Calibri" pitchFamily="34" charset="0"/>
               </a:rPr>
               <a:t>keep-alive</a:t>
             </a:r>
             <a:r>
-              <a:rPr lang="ru-RU" dirty="0" smtClean="0">
+              <a:rPr lang="ru-RU" dirty="0">
                 <a:latin typeface="Calibri" pitchFamily="34" charset="0"/>
               </a:rPr>
               <a:t> соединения). </a:t>
@@ -3681,7 +3683,7 @@
               <a:buFont typeface="Arial" pitchFamily="34" charset="0"/>
               <a:buChar char="•"/>
             </a:pPr>
-            <a:endParaRPr lang="ru-RU" dirty="0" smtClean="0">
+            <a:endParaRPr lang="ru-RU" dirty="0">
               <a:latin typeface="Calibri" pitchFamily="34" charset="0"/>
             </a:endParaRPr>
           </a:p>
@@ -3691,67 +3693,55 @@
               <a:buChar char="•"/>
             </a:pPr>
             <a:r>
-              <a:rPr lang="ru-RU" dirty="0" smtClean="0">
+              <a:rPr lang="ru-RU" dirty="0">
                 <a:latin typeface="Calibri" pitchFamily="34" charset="0"/>
               </a:rPr>
               <a:t> Объект </a:t>
             </a:r>
             <a:r>
-              <a:rPr lang="ru-RU" dirty="0" err="1" smtClean="0">
+              <a:rPr lang="ru-RU" dirty="0" err="1">
                 <a:latin typeface="Calibri" pitchFamily="34" charset="0"/>
               </a:rPr>
               <a:t>request</a:t>
             </a:r>
             <a:r>
-              <a:rPr lang="ru-RU" dirty="0" smtClean="0">
+              <a:rPr lang="ru-RU" dirty="0">
                 <a:latin typeface="Calibri" pitchFamily="34" charset="0"/>
               </a:rPr>
               <a:t> — экземпляр </a:t>
             </a:r>
             <a:r>
-              <a:rPr lang="ru-RU" dirty="0" err="1" smtClean="0">
+              <a:rPr lang="ru-RU" dirty="0" err="1">
                 <a:latin typeface="Calibri" pitchFamily="34" charset="0"/>
               </a:rPr>
               <a:t>http.ServerRequest</a:t>
             </a:r>
             <a:r>
-              <a:rPr lang="ru-RU" dirty="0" smtClean="0">
-                <a:latin typeface="Calibri" pitchFamily="34" charset="0"/>
-              </a:rPr>
-              <a:t>, </a:t>
-            </a:r>
-            <a:r>
-              <a:rPr lang="ru-RU" dirty="0" err="1" smtClean="0">
-                <a:latin typeface="Calibri" pitchFamily="34" charset="0"/>
-              </a:rPr>
-              <a:t>объектresponse</a:t>
-            </a:r>
-            <a:r>
-              <a:rPr lang="ru-RU" dirty="0" smtClean="0">
-                <a:latin typeface="Calibri" pitchFamily="34" charset="0"/>
-              </a:rPr>
-              <a:t> — </a:t>
-            </a:r>
-            <a:r>
-              <a:rPr lang="ru-RU" dirty="0" err="1" smtClean="0">
-                <a:latin typeface="Calibri" pitchFamily="34" charset="0"/>
-              </a:rPr>
-              <a:t>экземпляр</a:t>
-            </a:r>
-            <a:r>
-              <a:rPr lang="ru-RU" dirty="0" smtClean="0">
-                <a:latin typeface="Calibri" pitchFamily="34" charset="0"/>
-              </a:rPr>
-              <a:t> </a:t>
-            </a:r>
-            <a:r>
-              <a:rPr lang="ru-RU" dirty="0" err="1" smtClean="0">
+              <a:rPr lang="ru-RU" dirty="0">
+                <a:latin typeface="Calibri" pitchFamily="34" charset="0"/>
+              </a:rPr>
+              <a:t>, объект </a:t>
+            </a:r>
+            <a:r>
+              <a:rPr lang="ru-RU" dirty="0" err="1">
+                <a:latin typeface="Calibri" pitchFamily="34" charset="0"/>
+              </a:rPr>
+              <a:t>response</a:t>
+            </a:r>
+            <a:r>
+              <a:rPr lang="ru-RU" dirty="0">
+                <a:latin typeface="Calibri" pitchFamily="34" charset="0"/>
+              </a:rPr>
+              <a:t> — экземпляр </a:t>
+            </a:r>
+            <a:r>
+              <a:rPr lang="ru-RU" dirty="0" err="1">
                 <a:latin typeface="Calibri" pitchFamily="34" charset="0"/>
               </a:rPr>
               <a:t>http.ServerResponse</a:t>
             </a:r>
             <a:r>
-              <a:rPr lang="ru-RU" dirty="0" smtClean="0">
+              <a:rPr lang="ru-RU" dirty="0">
                 <a:latin typeface="Calibri" pitchFamily="34" charset="0"/>
               </a:rPr>
               <a:t>.</a:t>
@@ -3803,7 +3793,7 @@
           <a:lstStyle/>
           <a:p>
             <a:r>
-              <a:rPr lang="ru-RU" dirty="0" smtClean="0">
+              <a:rPr lang="ru-RU" dirty="0">
                 <a:latin typeface="Calibri" pitchFamily="34" charset="0"/>
               </a:rPr>
               <a:t>Создание запросов</a:t>
@@ -3841,31 +3831,31 @@
               <a:buChar char="•"/>
             </a:pPr>
             <a:r>
-              <a:rPr lang="ru-RU" dirty="0" smtClean="0">
+              <a:rPr lang="ru-RU" dirty="0">
                 <a:latin typeface="Calibri" pitchFamily="34" charset="0"/>
               </a:rPr>
               <a:t> Для создания </a:t>
             </a:r>
             <a:r>
-              <a:rPr lang="en-US" dirty="0" smtClean="0">
+              <a:rPr lang="en-US" dirty="0">
                 <a:latin typeface="Calibri" pitchFamily="34" charset="0"/>
               </a:rPr>
               <a:t>HTTP </a:t>
             </a:r>
             <a:r>
-              <a:rPr lang="ru-RU" dirty="0" smtClean="0">
+              <a:rPr lang="ru-RU" dirty="0">
                 <a:latin typeface="Calibri" pitchFamily="34" charset="0"/>
               </a:rPr>
               <a:t>запросов используется метод </a:t>
             </a:r>
             <a:r>
-              <a:rPr lang="en-US" b="1" dirty="0" err="1" smtClean="0">
+              <a:rPr lang="en-US" b="1" dirty="0" err="1">
                 <a:latin typeface="Calibri" pitchFamily="34" charset="0"/>
               </a:rPr>
               <a:t>http.request</a:t>
             </a:r>
             <a:r>
-              <a:rPr lang="en-US" b="1" dirty="0" smtClean="0">
+              <a:rPr lang="en-US" b="1" dirty="0">
                 <a:latin typeface="Calibri" pitchFamily="34" charset="0"/>
               </a:rPr>
               <a:t>(options, callback) </a:t>
@@ -3876,7 +3866,7 @@
               <a:buFont typeface="Arial" pitchFamily="34" charset="0"/>
               <a:buChar char="•"/>
             </a:pPr>
-            <a:endParaRPr lang="en-US" b="1" dirty="0" smtClean="0">
+            <a:endParaRPr lang="en-US" b="1" dirty="0">
               <a:latin typeface="Calibri" pitchFamily="34" charset="0"/>
             </a:endParaRPr>
           </a:p>
@@ -3886,49 +3876,49 @@
               <a:buChar char="•"/>
             </a:pPr>
             <a:r>
-              <a:rPr lang="ru-RU" dirty="0" smtClean="0">
+              <a:rPr lang="ru-RU" dirty="0">
                 <a:latin typeface="Calibri" pitchFamily="34" charset="0"/>
               </a:rPr>
               <a:t> </a:t>
             </a:r>
             <a:r>
-              <a:rPr lang="ru-RU" dirty="0" err="1" smtClean="0">
+              <a:rPr lang="ru-RU" dirty="0" err="1">
                 <a:latin typeface="Calibri" pitchFamily="34" charset="0"/>
               </a:rPr>
               <a:t>http.request</a:t>
             </a:r>
             <a:r>
-              <a:rPr lang="ru-RU" dirty="0" smtClean="0">
+              <a:rPr lang="ru-RU" dirty="0">
                 <a:latin typeface="Calibri" pitchFamily="34" charset="0"/>
               </a:rPr>
               <a:t>() возвращает объект класса </a:t>
             </a:r>
             <a:r>
-              <a:rPr lang="ru-RU" dirty="0" err="1" smtClean="0">
+              <a:rPr lang="ru-RU" dirty="0" err="1">
                 <a:latin typeface="Calibri" pitchFamily="34" charset="0"/>
               </a:rPr>
               <a:t>http.ClientRequest</a:t>
             </a:r>
             <a:r>
-              <a:rPr lang="ru-RU" dirty="0" smtClean="0">
+              <a:rPr lang="ru-RU" dirty="0">
                 <a:latin typeface="Calibri" pitchFamily="34" charset="0"/>
               </a:rPr>
               <a:t>, являющийся потоком с возможностью записи. </a:t>
             </a:r>
             <a:r>
-              <a:rPr lang="en-US" dirty="0" smtClean="0">
+              <a:rPr lang="en-US" dirty="0">
                 <a:latin typeface="Calibri" pitchFamily="34" charset="0"/>
               </a:rPr>
               <a:t> </a:t>
             </a:r>
           </a:p>
           <a:p>
-            <a:endParaRPr lang="en-US" dirty="0" smtClean="0">
+            <a:endParaRPr lang="en-US" dirty="0">
               <a:latin typeface="Calibri" pitchFamily="34" charset="0"/>
             </a:endParaRPr>
           </a:p>
           <a:p>
-            <a:endParaRPr lang="en-US" dirty="0" smtClean="0">
+            <a:endParaRPr lang="en-US" dirty="0">
               <a:latin typeface="Calibri" pitchFamily="34" charset="0"/>
             </a:endParaRPr>
           </a:p>
@@ -3975,13 +3965,13 @@
           <a:lstStyle/>
           <a:p>
             <a:r>
-              <a:rPr lang="en-US" sz="1400" dirty="0" err="1" smtClean="0">
+              <a:rPr lang="en-US" sz="1400" dirty="0" err="1">
                 <a:latin typeface="Calibri" pitchFamily="34" charset="0"/>
               </a:rPr>
               <a:t>var</a:t>
             </a:r>
             <a:r>
-              <a:rPr lang="en-US" sz="1400" dirty="0" smtClean="0">
+              <a:rPr lang="en-US" sz="1400" dirty="0">
                 <a:latin typeface="Calibri" pitchFamily="34" charset="0"/>
               </a:rPr>
               <a:t> options = {</a:t>
@@ -3989,7 +3979,7 @@
           </a:p>
           <a:p>
             <a:r>
-              <a:rPr lang="en-US" sz="1400" dirty="0" smtClean="0">
+              <a:rPr lang="en-US" sz="1400" dirty="0">
                 <a:latin typeface="Calibri" pitchFamily="34" charset="0"/>
               </a:rPr>
               <a:t>    host: 'www.google.com',</a:t>
@@ -3997,7 +3987,7 @@
           </a:p>
           <a:p>
             <a:r>
-              <a:rPr lang="en-US" sz="1400" dirty="0" smtClean="0">
+              <a:rPr lang="en-US" sz="1400" dirty="0">
                 <a:latin typeface="Calibri" pitchFamily="34" charset="0"/>
               </a:rPr>
               <a:t>    port: 80,</a:t>
@@ -4005,7 +3995,7 @@
           </a:p>
           <a:p>
             <a:r>
-              <a:rPr lang="en-US" sz="1400" dirty="0" smtClean="0">
+              <a:rPr lang="en-US" sz="1400" dirty="0">
                 <a:latin typeface="Calibri" pitchFamily="34" charset="0"/>
               </a:rPr>
               <a:t>    path: '/upload',</a:t>
@@ -4013,7 +4003,7 @@
           </a:p>
           <a:p>
             <a:r>
-              <a:rPr lang="en-US" sz="1400" dirty="0" smtClean="0">
+              <a:rPr lang="en-US" sz="1400" dirty="0">
                 <a:latin typeface="Calibri" pitchFamily="34" charset="0"/>
               </a:rPr>
               <a:t>    method: 'POST'</a:t>
@@ -4021,50 +4011,50 @@
           </a:p>
           <a:p>
             <a:r>
-              <a:rPr lang="uk-UA" sz="1400" dirty="0" smtClean="0">
+              <a:rPr lang="uk-UA" sz="1400" dirty="0">
                 <a:latin typeface="Calibri" pitchFamily="34" charset="0"/>
               </a:rPr>
               <a:t>};</a:t>
             </a:r>
           </a:p>
           <a:p>
-            <a:endParaRPr lang="uk-UA" sz="1400" dirty="0" smtClean="0">
+            <a:endParaRPr lang="uk-UA" sz="1400" dirty="0">
               <a:latin typeface="Calibri" pitchFamily="34" charset="0"/>
             </a:endParaRPr>
           </a:p>
           <a:p>
             <a:r>
-              <a:rPr lang="en-US" sz="1400" dirty="0" err="1" smtClean="0">
+              <a:rPr lang="en-US" sz="1400" dirty="0" err="1">
                 <a:latin typeface="Calibri" pitchFamily="34" charset="0"/>
               </a:rPr>
               <a:t>var</a:t>
             </a:r>
             <a:r>
-              <a:rPr lang="en-US" sz="1400" dirty="0" smtClean="0">
+              <a:rPr lang="en-US" sz="1400" dirty="0">
                 <a:latin typeface="Calibri" pitchFamily="34" charset="0"/>
               </a:rPr>
               <a:t> </a:t>
             </a:r>
             <a:r>
-              <a:rPr lang="en-US" sz="1400" dirty="0" err="1" smtClean="0">
+              <a:rPr lang="en-US" sz="1400" dirty="0" err="1">
                 <a:latin typeface="Calibri" pitchFamily="34" charset="0"/>
               </a:rPr>
               <a:t>req</a:t>
             </a:r>
             <a:r>
-              <a:rPr lang="en-US" sz="1400" dirty="0" smtClean="0">
+              <a:rPr lang="en-US" sz="1400" dirty="0">
                 <a:latin typeface="Calibri" pitchFamily="34" charset="0"/>
               </a:rPr>
               <a:t> = </a:t>
             </a:r>
             <a:r>
-              <a:rPr lang="en-US" sz="1400" dirty="0" err="1" smtClean="0">
+              <a:rPr lang="en-US" sz="1400" dirty="0" err="1">
                 <a:latin typeface="Calibri" pitchFamily="34" charset="0"/>
               </a:rPr>
               <a:t>http.request</a:t>
             </a:r>
             <a:r>
-              <a:rPr lang="en-US" sz="1400" dirty="0" smtClean="0">
+              <a:rPr lang="en-US" sz="1400" dirty="0">
                 <a:latin typeface="Calibri" pitchFamily="34" charset="0"/>
               </a:rPr>
               <a:t>(options, function (res) {</a:t>
@@ -4072,19 +4062,19 @@
           </a:p>
           <a:p>
             <a:r>
-              <a:rPr lang="en-US" sz="1400" dirty="0" smtClean="0">
+              <a:rPr lang="en-US" sz="1400" dirty="0">
                 <a:latin typeface="Calibri" pitchFamily="34" charset="0"/>
               </a:rPr>
               <a:t>    console.log('STATUS: ' + </a:t>
             </a:r>
             <a:r>
-              <a:rPr lang="en-US" sz="1400" dirty="0" err="1" smtClean="0">
+              <a:rPr lang="en-US" sz="1400" dirty="0" err="1">
                 <a:latin typeface="Calibri" pitchFamily="34" charset="0"/>
               </a:rPr>
               <a:t>res.statusCode</a:t>
             </a:r>
             <a:r>
-              <a:rPr lang="en-US" sz="1400" dirty="0" smtClean="0">
+              <a:rPr lang="en-US" sz="1400" dirty="0">
                 <a:latin typeface="Calibri" pitchFamily="34" charset="0"/>
               </a:rPr>
               <a:t>);</a:t>
@@ -4092,31 +4082,31 @@
           </a:p>
           <a:p>
             <a:r>
-              <a:rPr lang="en-US" sz="1400" dirty="0" smtClean="0">
+              <a:rPr lang="en-US" sz="1400" dirty="0">
                 <a:latin typeface="Calibri" pitchFamily="34" charset="0"/>
               </a:rPr>
               <a:t>    console.log('HEADERS: ' + </a:t>
             </a:r>
             <a:r>
-              <a:rPr lang="en-US" sz="1400" dirty="0" err="1" smtClean="0">
+              <a:rPr lang="en-US" sz="1400" dirty="0" err="1">
                 <a:latin typeface="Calibri" pitchFamily="34" charset="0"/>
               </a:rPr>
               <a:t>JSON.stringify</a:t>
             </a:r>
             <a:r>
-              <a:rPr lang="en-US" sz="1400" dirty="0" smtClean="0">
+              <a:rPr lang="en-US" sz="1400" dirty="0">
                 <a:latin typeface="Calibri" pitchFamily="34" charset="0"/>
               </a:rPr>
               <a:t>(</a:t>
             </a:r>
             <a:r>
-              <a:rPr lang="en-US" sz="1400" dirty="0" err="1" smtClean="0">
+              <a:rPr lang="en-US" sz="1400" dirty="0" err="1">
                 <a:latin typeface="Calibri" pitchFamily="34" charset="0"/>
               </a:rPr>
               <a:t>res.headers</a:t>
             </a:r>
             <a:r>
-              <a:rPr lang="en-US" sz="1400" dirty="0" smtClean="0">
+              <a:rPr lang="en-US" sz="1400" dirty="0">
                 <a:latin typeface="Calibri" pitchFamily="34" charset="0"/>
               </a:rPr>
               <a:t>));</a:t>
@@ -4124,19 +4114,19 @@
           </a:p>
           <a:p>
             <a:r>
-              <a:rPr lang="en-US" sz="1400" dirty="0" smtClean="0">
+              <a:rPr lang="en-US" sz="1400" dirty="0">
                 <a:latin typeface="Calibri" pitchFamily="34" charset="0"/>
               </a:rPr>
               <a:t>    </a:t>
             </a:r>
             <a:r>
-              <a:rPr lang="en-US" sz="1400" dirty="0" err="1" smtClean="0">
+              <a:rPr lang="en-US" sz="1400" dirty="0" err="1">
                 <a:latin typeface="Calibri" pitchFamily="34" charset="0"/>
               </a:rPr>
               <a:t>res.setEncoding</a:t>
             </a:r>
             <a:r>
-              <a:rPr lang="en-US" sz="1400" dirty="0" smtClean="0">
+              <a:rPr lang="en-US" sz="1400" dirty="0">
                 <a:latin typeface="Calibri" pitchFamily="34" charset="0"/>
               </a:rPr>
               <a:t>('utf8');</a:t>
@@ -4144,19 +4134,19 @@
           </a:p>
           <a:p>
             <a:r>
-              <a:rPr lang="en-US" sz="1400" dirty="0" smtClean="0">
+              <a:rPr lang="en-US" sz="1400" dirty="0">
                 <a:latin typeface="Calibri" pitchFamily="34" charset="0"/>
               </a:rPr>
               <a:t>    </a:t>
             </a:r>
             <a:r>
-              <a:rPr lang="en-US" sz="1400" dirty="0" err="1" smtClean="0">
+              <a:rPr lang="en-US" sz="1400" dirty="0" err="1">
                 <a:latin typeface="Calibri" pitchFamily="34" charset="0"/>
               </a:rPr>
               <a:t>res.on</a:t>
             </a:r>
             <a:r>
-              <a:rPr lang="en-US" sz="1400" dirty="0" smtClean="0">
+              <a:rPr lang="en-US" sz="1400" dirty="0">
                 <a:latin typeface="Calibri" pitchFamily="34" charset="0"/>
               </a:rPr>
               <a:t>('data', function (chunk) {</a:t>
@@ -4164,7 +4154,7 @@
           </a:p>
           <a:p>
             <a:r>
-              <a:rPr lang="en-US" sz="1400" dirty="0" smtClean="0">
+              <a:rPr lang="en-US" sz="1400" dirty="0">
                 <a:latin typeface="Calibri" pitchFamily="34" charset="0"/>
               </a:rPr>
               <a:t>        console.log('BODY: ' + chunk);</a:t>
@@ -4172,7 +4162,7 @@
           </a:p>
           <a:p>
             <a:r>
-              <a:rPr lang="uk-UA" sz="1400" dirty="0" smtClean="0">
+              <a:rPr lang="uk-UA" sz="1400" dirty="0">
                 <a:latin typeface="Calibri" pitchFamily="34" charset="0"/>
               </a:rPr>
               <a:t>    });</a:t>
@@ -4180,65 +4170,65 @@
           </a:p>
           <a:p>
             <a:r>
-              <a:rPr lang="uk-UA" sz="1400" dirty="0" smtClean="0">
+              <a:rPr lang="uk-UA" sz="1400" dirty="0">
                 <a:latin typeface="Calibri" pitchFamily="34" charset="0"/>
               </a:rPr>
               <a:t>}); </a:t>
             </a:r>
           </a:p>
           <a:p>
-            <a:endParaRPr lang="uk-UA" sz="1400" dirty="0" smtClean="0">
+            <a:endParaRPr lang="uk-UA" sz="1400" dirty="0">
               <a:latin typeface="Calibri" pitchFamily="34" charset="0"/>
             </a:endParaRPr>
           </a:p>
           <a:p>
             <a:r>
-              <a:rPr lang="en-US" sz="1400" dirty="0" err="1" smtClean="0">
+              <a:rPr lang="en-US" sz="1400" dirty="0" err="1">
                 <a:latin typeface="Calibri" pitchFamily="34" charset="0"/>
               </a:rPr>
               <a:t>req.write</a:t>
             </a:r>
             <a:r>
-              <a:rPr lang="en-US" sz="1400" dirty="0" smtClean="0">
+              <a:rPr lang="en-US" sz="1400" dirty="0">
                 <a:latin typeface="Calibri" pitchFamily="34" charset="0"/>
               </a:rPr>
               <a:t>('data\n'); </a:t>
             </a:r>
-            <a:endParaRPr lang="ru-RU" sz="1400" dirty="0" smtClean="0">
+            <a:endParaRPr lang="ru-RU" sz="1400" dirty="0">
               <a:latin typeface="Calibri" pitchFamily="34" charset="0"/>
             </a:endParaRPr>
           </a:p>
           <a:p>
             <a:r>
-              <a:rPr lang="en-US" sz="1400" dirty="0" err="1" smtClean="0">
+              <a:rPr lang="en-US" sz="1400" dirty="0" err="1">
                 <a:latin typeface="Calibri" pitchFamily="34" charset="0"/>
               </a:rPr>
               <a:t>req.write</a:t>
             </a:r>
             <a:r>
-              <a:rPr lang="en-US" sz="1400" dirty="0" smtClean="0">
+              <a:rPr lang="en-US" sz="1400" dirty="0">
                 <a:latin typeface="Calibri" pitchFamily="34" charset="0"/>
               </a:rPr>
               <a:t>('data\n'); </a:t>
             </a:r>
-            <a:endParaRPr lang="ru-RU" sz="1400" dirty="0" smtClean="0">
+            <a:endParaRPr lang="ru-RU" sz="1400" dirty="0">
               <a:latin typeface="Calibri" pitchFamily="34" charset="0"/>
             </a:endParaRPr>
           </a:p>
           <a:p>
             <a:r>
-              <a:rPr lang="en-US" sz="1400" dirty="0" err="1" smtClean="0">
+              <a:rPr lang="en-US" sz="1400" dirty="0" err="1">
                 <a:latin typeface="Calibri" pitchFamily="34" charset="0"/>
               </a:rPr>
               <a:t>req.end</a:t>
             </a:r>
             <a:r>
-              <a:rPr lang="en-US" sz="1400" dirty="0" smtClean="0">
+              <a:rPr lang="en-US" sz="1400" dirty="0">
                 <a:latin typeface="Calibri" pitchFamily="34" charset="0"/>
               </a:rPr>
               <a:t>();</a:t>
             </a:r>
-            <a:endParaRPr lang="uk-UA" sz="1400" dirty="0" smtClean="0">
+            <a:endParaRPr lang="uk-UA" sz="1400" dirty="0">
               <a:latin typeface="Calibri" pitchFamily="34" charset="0"/>
             </a:endParaRPr>
           </a:p>
@@ -4267,36 +4257,36 @@
           <a:lstStyle/>
           <a:p>
             <a:r>
-              <a:rPr lang="ru-RU" dirty="0" smtClean="0">
+              <a:rPr lang="ru-RU" dirty="0">
                 <a:latin typeface="Calibri" pitchFamily="34" charset="0"/>
               </a:rPr>
               <a:t>Используя </a:t>
             </a:r>
             <a:r>
-              <a:rPr lang="ru-RU" dirty="0" err="1" smtClean="0">
+              <a:rPr lang="ru-RU" dirty="0" err="1">
                 <a:latin typeface="Calibri" pitchFamily="34" charset="0"/>
               </a:rPr>
               <a:t>http.request</a:t>
             </a:r>
             <a:r>
-              <a:rPr lang="ru-RU" dirty="0" smtClean="0">
+              <a:rPr lang="ru-RU" dirty="0">
                 <a:latin typeface="Calibri" pitchFamily="34" charset="0"/>
               </a:rPr>
               <a:t>() вы должны вызвать </a:t>
             </a:r>
             <a:r>
-              <a:rPr lang="ru-RU" dirty="0" err="1" smtClean="0">
+              <a:rPr lang="ru-RU" dirty="0" err="1">
                 <a:latin typeface="Calibri" pitchFamily="34" charset="0"/>
               </a:rPr>
               <a:t>req.end</a:t>
             </a:r>
             <a:r>
-              <a:rPr lang="ru-RU" dirty="0" smtClean="0">
+              <a:rPr lang="ru-RU" dirty="0">
                 <a:latin typeface="Calibri" pitchFamily="34" charset="0"/>
               </a:rPr>
               <a:t>(), иначе всё что вы делали до этого с объектом запроса не произойдёт и данные не будут отправлены.</a:t>
             </a:r>
-            <a:endParaRPr lang="en-US" dirty="0" smtClean="0">
+            <a:endParaRPr lang="en-US" dirty="0">
               <a:latin typeface="Calibri" pitchFamily="34" charset="0"/>
             </a:endParaRPr>
           </a:p>
